--- a/전면수정 후 재투고/참고논문/참고논문 정리.pptx
+++ b/전면수정 후 재투고/참고논문/참고논문 정리.pptx
@@ -6,6 +6,7 @@
   </p:sldMasterIdLst>
   <p:sldIdLst>
     <p:sldId id="256" r:id="rId2"/>
+    <p:sldId id="257" r:id="rId3"/>
   </p:sldIdLst>
   <p:sldSz cx="12192000" cy="6858000"/>
   <p:notesSz cx="6858000" cy="9144000"/>
@@ -104,6 +105,11 @@
       </a:defRPr>
     </a:lvl9pPr>
   </p:defaultTextStyle>
+  <p:extLst>
+    <p:ext uri="{EFAFB233-063F-42B5-8137-9DF3F51BA10A}">
+      <p15:sldGuideLst xmlns:p15="http://schemas.microsoft.com/office/powerpoint/2012/main"/>
+    </p:ext>
+  </p:extLst>
 </p:presentation>
 </file>
 
@@ -2973,14 +2979,14 @@
           <p:nvPr>
             <p:extLst>
               <p:ext uri="{D42A27DB-BD31-4B8C-83A1-F6EECF244321}">
-                <p14:modId xmlns:p14="http://schemas.microsoft.com/office/powerpoint/2010/main" val="1200118844"/>
+                <p14:modId xmlns:p14="http://schemas.microsoft.com/office/powerpoint/2010/main" val="1542108251"/>
               </p:ext>
             </p:extLst>
           </p:nvPr>
         </p:nvGraphicFramePr>
         <p:xfrm>
           <a:off x="0" y="0"/>
-          <a:ext cx="12192000" cy="6858001"/>
+          <a:ext cx="12192000" cy="6867303"/>
         </p:xfrm>
         <a:graphic>
           <a:graphicData uri="http://schemas.openxmlformats.org/drawingml/2006/table">
@@ -2989,45 +2995,31 @@
                 <a:tableStyleId>{5940675A-B579-460E-94D1-54222C63F5DA}</a:tableStyleId>
               </a:tblPr>
               <a:tblGrid>
-                <a:gridCol w="2032000">
+                <a:gridCol w="3048000">
                   <a:extLst>
                     <a:ext uri="{9D8B030D-6E8A-4147-A177-3AD203B41FA5}">
                       <a16:colId xmlns:a16="http://schemas.microsoft.com/office/drawing/2014/main" val="79076446"/>
                     </a:ext>
                   </a:extLst>
                 </a:gridCol>
-                <a:gridCol w="2032000">
+                <a:gridCol w="3048000">
                   <a:extLst>
                     <a:ext uri="{9D8B030D-6E8A-4147-A177-3AD203B41FA5}">
                       <a16:colId xmlns:a16="http://schemas.microsoft.com/office/drawing/2014/main" val="43533959"/>
                     </a:ext>
                   </a:extLst>
                 </a:gridCol>
-                <a:gridCol w="2032000">
+                <a:gridCol w="3048000">
                   <a:extLst>
                     <a:ext uri="{9D8B030D-6E8A-4147-A177-3AD203B41FA5}">
                       <a16:colId xmlns:a16="http://schemas.microsoft.com/office/drawing/2014/main" val="3443041548"/>
                     </a:ext>
                   </a:extLst>
                 </a:gridCol>
-                <a:gridCol w="2032000">
+                <a:gridCol w="3048000">
                   <a:extLst>
                     <a:ext uri="{9D8B030D-6E8A-4147-A177-3AD203B41FA5}">
                       <a16:colId xmlns:a16="http://schemas.microsoft.com/office/drawing/2014/main" val="3866643952"/>
-                    </a:ext>
-                  </a:extLst>
-                </a:gridCol>
-                <a:gridCol w="2032000">
-                  <a:extLst>
-                    <a:ext uri="{9D8B030D-6E8A-4147-A177-3AD203B41FA5}">
-                      <a16:colId xmlns:a16="http://schemas.microsoft.com/office/drawing/2014/main" val="3244670153"/>
-                    </a:ext>
-                  </a:extLst>
-                </a:gridCol>
-                <a:gridCol w="2032000">
-                  <a:extLst>
-                    <a:ext uri="{9D8B030D-6E8A-4147-A177-3AD203B41FA5}">
-                      <a16:colId xmlns:a16="http://schemas.microsoft.com/office/drawing/2014/main" val="3457255869"/>
                     </a:ext>
                   </a:extLst>
                 </a:gridCol>
@@ -3040,14 +3032,14 @@
                     <a:p>
                       <a:pPr latinLnBrk="1"/>
                       <a:r>
-                        <a:rPr lang="en-US" altLang="ko-KR" sz="800" dirty="0" smtClean="0"/>
+                        <a:rPr lang="en-US" altLang="ko-KR" sz="1000" dirty="0" smtClean="0"/>
                         <a:t>1</a:t>
                       </a:r>
                       <a:r>
-                        <a:rPr lang="ko-KR" altLang="en-US" sz="800" dirty="0" smtClean="0"/>
+                        <a:rPr lang="ko-KR" altLang="en-US" sz="1000" dirty="0" smtClean="0"/>
                         <a:t>인 게임 방송 시청에 영향을 미치는 요인에 관한 연구</a:t>
                       </a:r>
-                      <a:endParaRPr lang="ko-KR" altLang="en-US" sz="800" dirty="0"/>
+                      <a:endParaRPr lang="ko-KR" altLang="en-US" sz="1000" dirty="0"/>
                     </a:p>
                   </a:txBody>
                   <a:tcPr/>
@@ -3059,14 +3051,14 @@
                     <a:p>
                       <a:pPr latinLnBrk="1"/>
                       <a:r>
-                        <a:rPr lang="en-US" altLang="ko-KR" sz="800" dirty="0" smtClean="0"/>
+                        <a:rPr lang="en-US" altLang="ko-KR" sz="1000" dirty="0" smtClean="0"/>
                         <a:t>1</a:t>
                       </a:r>
                       <a:r>
-                        <a:rPr lang="ko-KR" altLang="en-US" sz="800" dirty="0" smtClean="0"/>
+                        <a:rPr lang="ko-KR" altLang="en-US" sz="1000" dirty="0" smtClean="0"/>
                         <a:t>인 미디어 게임방송 이용 동기 및 이용 특성에 관한 탐색적 연구</a:t>
                       </a:r>
-                      <a:endParaRPr lang="ko-KR" altLang="en-US" sz="800" dirty="0"/>
+                      <a:endParaRPr lang="ko-KR" altLang="en-US" sz="1000" dirty="0"/>
                     </a:p>
                   </a:txBody>
                   <a:tcPr/>
@@ -3078,26 +3070,26 @@
                     <a:p>
                       <a:pPr latinLnBrk="1"/>
                       <a:r>
-                        <a:rPr lang="ko-KR" altLang="en-US" sz="800" dirty="0" smtClean="0"/>
+                        <a:rPr lang="ko-KR" altLang="en-US" sz="1000" dirty="0" smtClean="0"/>
                         <a:t>인터넷 </a:t>
                       </a:r>
                       <a:r>
-                        <a:rPr lang="en-US" altLang="ko-KR" sz="800" dirty="0" smtClean="0"/>
+                        <a:rPr lang="en-US" altLang="ko-KR" sz="1000" dirty="0" smtClean="0"/>
                         <a:t>1</a:t>
                       </a:r>
                       <a:r>
-                        <a:rPr lang="ko-KR" altLang="en-US" sz="800" dirty="0" smtClean="0"/>
+                        <a:rPr lang="ko-KR" altLang="en-US" sz="1000" dirty="0" smtClean="0"/>
                         <a:t>인 게임 방송 </a:t>
                       </a:r>
                       <a:r>
-                        <a:rPr lang="ko-KR" altLang="en-US" sz="800" dirty="0" err="1" smtClean="0"/>
+                        <a:rPr lang="ko-KR" altLang="en-US" sz="1000" dirty="0" err="1" smtClean="0"/>
                         <a:t>시청요인에</a:t>
                       </a:r>
                       <a:r>
-                        <a:rPr lang="ko-KR" altLang="en-US" sz="800" dirty="0" smtClean="0"/>
+                        <a:rPr lang="ko-KR" altLang="en-US" sz="1000" dirty="0" smtClean="0"/>
                         <a:t> 대한 상대적 중요도 분석</a:t>
                       </a:r>
-                      <a:endParaRPr lang="ko-KR" altLang="en-US" sz="800" dirty="0"/>
+                      <a:endParaRPr lang="ko-KR" altLang="en-US" sz="1000" dirty="0"/>
                     </a:p>
                   </a:txBody>
                   <a:tcPr/>
@@ -3108,29 +3100,11 @@
                     <a:lstStyle/>
                     <a:p>
                       <a:pPr latinLnBrk="1"/>
-                      <a:endParaRPr lang="ko-KR" altLang="en-US" sz="800" dirty="0"/>
-                    </a:p>
-                  </a:txBody>
-                  <a:tcPr/>
-                </a:tc>
-                <a:tc>
-                  <a:txBody>
-                    <a:bodyPr/>
-                    <a:lstStyle/>
-                    <a:p>
-                      <a:pPr latinLnBrk="1"/>
-                      <a:endParaRPr lang="ko-KR" altLang="en-US" sz="800" dirty="0"/>
-                    </a:p>
-                  </a:txBody>
-                  <a:tcPr/>
-                </a:tc>
-                <a:tc>
-                  <a:txBody>
-                    <a:bodyPr/>
-                    <a:lstStyle/>
-                    <a:p>
-                      <a:pPr latinLnBrk="1"/>
-                      <a:endParaRPr lang="ko-KR" altLang="en-US" sz="800" dirty="0"/>
+                      <a:r>
+                        <a:rPr lang="ko-KR" altLang="en-US" sz="1000" dirty="0" smtClean="0"/>
+                        <a:t>인터넷 게임 방송에서 이용동기가 만족도와 몰입에 미치는 영향</a:t>
+                      </a:r>
+                      <a:endParaRPr lang="ko-KR" altLang="en-US" sz="1000" dirty="0"/>
                     </a:p>
                   </a:txBody>
                   <a:tcPr/>
@@ -3149,26 +3123,26 @@
                     <a:p>
                       <a:pPr latinLnBrk="1"/>
                       <a:r>
-                        <a:rPr lang="ko-KR" altLang="en-US" sz="800" dirty="0" smtClean="0"/>
+                        <a:rPr lang="ko-KR" altLang="en-US" sz="1000" dirty="0" smtClean="0"/>
                         <a:t>최민지</a:t>
                       </a:r>
                       <a:r>
-                        <a:rPr lang="en-US" altLang="ko-KR" sz="800" dirty="0" smtClean="0"/>
+                        <a:rPr lang="en-US" altLang="ko-KR" sz="1000" dirty="0" smtClean="0"/>
                         <a:t>, </a:t>
                       </a:r>
                       <a:r>
-                        <a:rPr lang="ko-KR" altLang="en-US" sz="800" dirty="0" smtClean="0"/>
+                        <a:rPr lang="ko-KR" altLang="en-US" sz="1000" dirty="0" smtClean="0"/>
                         <a:t>박정민</a:t>
                       </a:r>
                       <a:r>
-                        <a:rPr lang="en-US" altLang="ko-KR" sz="800" dirty="0" smtClean="0"/>
+                        <a:rPr lang="en-US" altLang="ko-KR" sz="1000" dirty="0" smtClean="0"/>
                         <a:t>, </a:t>
                       </a:r>
                       <a:r>
-                        <a:rPr lang="ko-KR" altLang="en-US" sz="800" dirty="0" err="1" smtClean="0"/>
+                        <a:rPr lang="ko-KR" altLang="en-US" sz="1000" dirty="0" err="1" smtClean="0"/>
                         <a:t>노기영</a:t>
                       </a:r>
-                      <a:endParaRPr lang="ko-KR" altLang="en-US" sz="800" dirty="0"/>
+                      <a:endParaRPr lang="ko-KR" altLang="en-US" sz="1000" dirty="0"/>
                     </a:p>
                   </a:txBody>
                   <a:tcPr/>
@@ -3180,18 +3154,18 @@
                     <a:p>
                       <a:pPr latinLnBrk="1"/>
                       <a:r>
-                        <a:rPr lang="ko-KR" altLang="en-US" sz="800" dirty="0" smtClean="0"/>
+                        <a:rPr lang="ko-KR" altLang="en-US" sz="1000" dirty="0" smtClean="0"/>
                         <a:t>정서현</a:t>
                       </a:r>
                       <a:r>
-                        <a:rPr lang="en-US" altLang="ko-KR" sz="800" dirty="0" smtClean="0"/>
+                        <a:rPr lang="en-US" altLang="ko-KR" sz="1000" dirty="0" smtClean="0"/>
                         <a:t>, </a:t>
                       </a:r>
                       <a:r>
-                        <a:rPr lang="ko-KR" altLang="en-US" sz="800" dirty="0" smtClean="0"/>
+                        <a:rPr lang="ko-KR" altLang="en-US" sz="1000" dirty="0" smtClean="0"/>
                         <a:t>박주연</a:t>
                       </a:r>
-                      <a:endParaRPr lang="ko-KR" altLang="en-US" sz="800" dirty="0"/>
+                      <a:endParaRPr lang="ko-KR" altLang="en-US" sz="1000" dirty="0"/>
                     </a:p>
                   </a:txBody>
                   <a:tcPr/>
@@ -3203,22 +3177,22 @@
                     <a:p>
                       <a:pPr latinLnBrk="1"/>
                       <a:r>
-                        <a:rPr lang="ko-KR" altLang="en-US" sz="800" dirty="0" smtClean="0"/>
+                        <a:rPr lang="ko-KR" altLang="en-US" sz="1000" dirty="0" smtClean="0"/>
                         <a:t>김유미</a:t>
                       </a:r>
                       <a:r>
-                        <a:rPr lang="en-US" altLang="ko-KR" sz="800" dirty="0" smtClean="0"/>
+                        <a:rPr lang="en-US" altLang="ko-KR" sz="1000" dirty="0" smtClean="0"/>
                         <a:t>,</a:t>
                       </a:r>
                       <a:r>
-                        <a:rPr lang="en-US" altLang="ko-KR" sz="800" baseline="0" dirty="0" smtClean="0"/>
+                        <a:rPr lang="en-US" altLang="ko-KR" sz="1000" baseline="0" dirty="0" smtClean="0"/>
                         <a:t> </a:t>
                       </a:r>
                       <a:r>
-                        <a:rPr lang="ko-KR" altLang="en-US" sz="800" baseline="0" dirty="0" err="1" smtClean="0"/>
+                        <a:rPr lang="ko-KR" altLang="en-US" sz="1000" baseline="0" dirty="0" err="1" smtClean="0"/>
                         <a:t>김선균</a:t>
                       </a:r>
-                      <a:endParaRPr lang="ko-KR" altLang="en-US" sz="800" dirty="0"/>
+                      <a:endParaRPr lang="ko-KR" altLang="en-US" sz="1000" dirty="0"/>
                     </a:p>
                   </a:txBody>
                   <a:tcPr/>
@@ -3229,29 +3203,27 @@
                     <a:lstStyle/>
                     <a:p>
                       <a:pPr latinLnBrk="1"/>
-                      <a:endParaRPr lang="ko-KR" altLang="en-US" sz="800" dirty="0"/>
-                    </a:p>
-                  </a:txBody>
-                  <a:tcPr/>
-                </a:tc>
-                <a:tc>
-                  <a:txBody>
-                    <a:bodyPr/>
-                    <a:lstStyle/>
-                    <a:p>
-                      <a:pPr latinLnBrk="1"/>
-                      <a:endParaRPr lang="ko-KR" altLang="en-US" sz="800" dirty="0"/>
-                    </a:p>
-                  </a:txBody>
-                  <a:tcPr/>
-                </a:tc>
-                <a:tc>
-                  <a:txBody>
-                    <a:bodyPr/>
-                    <a:lstStyle/>
-                    <a:p>
-                      <a:pPr latinLnBrk="1"/>
-                      <a:endParaRPr lang="ko-KR" altLang="en-US" sz="800" dirty="0"/>
+                      <a:r>
+                        <a:rPr lang="ko-KR" altLang="en-US" sz="1000" dirty="0" err="1" smtClean="0"/>
+                        <a:t>성민제</a:t>
+                      </a:r>
+                      <a:r>
+                        <a:rPr lang="en-US" altLang="ko-KR" sz="1000" dirty="0" smtClean="0"/>
+                        <a:t>, </a:t>
+                      </a:r>
+                      <a:r>
+                        <a:rPr lang="ko-KR" altLang="en-US" sz="1000" dirty="0" err="1" smtClean="0"/>
+                        <a:t>정형원</a:t>
+                      </a:r>
+                      <a:r>
+                        <a:rPr lang="en-US" altLang="ko-KR" sz="1000" dirty="0" smtClean="0"/>
+                        <a:t>, </a:t>
+                      </a:r>
+                      <a:r>
+                        <a:rPr lang="ko-KR" altLang="en-US" sz="1000" dirty="0" smtClean="0"/>
+                        <a:t>김태규</a:t>
+                      </a:r>
+                      <a:endParaRPr lang="ko-KR" altLang="en-US" sz="1000" dirty="0"/>
                     </a:p>
                   </a:txBody>
                   <a:tcPr/>
@@ -3273,10 +3245,10 @@
                         <a:buChar char="•"/>
                       </a:pPr>
                       <a:r>
-                        <a:rPr lang="ko-KR" altLang="en-US" sz="800" dirty="0" smtClean="0"/>
+                        <a:rPr lang="ko-KR" altLang="en-US" sz="1000" dirty="0" smtClean="0"/>
                         <a:t>이용과 충족 이론</a:t>
                       </a:r>
-                      <a:endParaRPr lang="en-US" altLang="ko-KR" sz="800" dirty="0" smtClean="0"/>
+                      <a:endParaRPr lang="en-US" altLang="ko-KR" sz="1000" dirty="0" smtClean="0"/>
                     </a:p>
                     <a:p>
                       <a:pPr marL="171450" indent="-171450" latinLnBrk="1">
@@ -3284,42 +3256,46 @@
                         <a:buChar char="•"/>
                       </a:pPr>
                       <a:r>
-                        <a:rPr lang="ko-KR" altLang="en-US" sz="800" baseline="0" dirty="0" smtClean="0"/>
+                        <a:rPr lang="ko-KR" altLang="en-US" sz="1000" baseline="0" dirty="0" smtClean="0"/>
                         <a:t>동일시 갈망</a:t>
                       </a:r>
                       <a:r>
-                        <a:rPr lang="en-US" altLang="ko-KR" sz="800" baseline="0" dirty="0" smtClean="0"/>
+                        <a:rPr lang="en-US" altLang="ko-KR" sz="1000" baseline="0" dirty="0" smtClean="0"/>
                         <a:t>, </a:t>
                       </a:r>
                       <a:r>
-                        <a:rPr lang="ko-KR" altLang="en-US" sz="800" baseline="0" dirty="0" smtClean="0"/>
+                        <a:rPr lang="ko-KR" altLang="en-US" sz="1000" baseline="0" dirty="0" smtClean="0"/>
                         <a:t>오락성 추구</a:t>
                       </a:r>
                       <a:r>
-                        <a:rPr lang="en-US" altLang="ko-KR" sz="800" baseline="0" dirty="0" smtClean="0"/>
+                        <a:rPr lang="en-US" altLang="ko-KR" sz="1000" baseline="0" dirty="0" smtClean="0"/>
                         <a:t>, </a:t>
                       </a:r>
                       <a:r>
-                        <a:rPr lang="ko-KR" altLang="en-US" sz="800" baseline="0" dirty="0" smtClean="0"/>
+                        <a:rPr lang="ko-KR" altLang="en-US" sz="1000" baseline="0" dirty="0" smtClean="0"/>
                         <a:t>시간 보내기</a:t>
                       </a:r>
                       <a:r>
-                        <a:rPr lang="en-US" altLang="ko-KR" sz="800" baseline="0" dirty="0" smtClean="0"/>
+                        <a:rPr lang="en-US" altLang="ko-KR" sz="1000" baseline="0" dirty="0" smtClean="0"/>
                         <a:t>, </a:t>
                       </a:r>
                       <a:r>
-                        <a:rPr lang="ko-KR" altLang="en-US" sz="800" baseline="0" dirty="0" smtClean="0"/>
+                        <a:rPr lang="ko-KR" altLang="en-US" sz="1000" baseline="0" dirty="0" smtClean="0"/>
                         <a:t>정보 추구 </a:t>
                       </a:r>
                       <a:r>
-                        <a:rPr lang="en-US" altLang="ko-KR" sz="800" baseline="0" dirty="0" smtClean="0"/>
-                        <a:t>5</a:t>
-                      </a:r>
-                      <a:r>
-                        <a:rPr lang="ko-KR" altLang="en-US" sz="800" baseline="0" dirty="0" smtClean="0"/>
-                        <a:t>가지의 동기</a:t>
-                      </a:r>
-                      <a:endParaRPr lang="en-US" altLang="ko-KR" sz="800" baseline="0" dirty="0" smtClean="0"/>
+                        <a:rPr lang="en-US" altLang="ko-KR" sz="1000" baseline="0" dirty="0" smtClean="0"/>
+                        <a:t>4</a:t>
+                      </a:r>
+                      <a:r>
+                        <a:rPr lang="ko-KR" altLang="en-US" sz="1000" baseline="0" dirty="0" smtClean="0"/>
+                        <a:t>가지의 </a:t>
+                      </a:r>
+                      <a:r>
+                        <a:rPr lang="ko-KR" altLang="en-US" sz="1000" baseline="0" dirty="0" smtClean="0"/>
+                        <a:t>동기</a:t>
+                      </a:r>
+                      <a:endParaRPr lang="en-US" altLang="ko-KR" sz="1000" baseline="0" dirty="0" smtClean="0"/>
                     </a:p>
                     <a:p>
                       <a:pPr marL="171450" indent="-171450" latinLnBrk="1">
@@ -3327,50 +3303,50 @@
                         <a:buChar char="•"/>
                       </a:pPr>
                       <a:r>
-                        <a:rPr lang="ko-KR" altLang="en-US" sz="800" baseline="0" dirty="0" smtClean="0"/>
+                        <a:rPr lang="ko-KR" altLang="en-US" sz="1000" baseline="0" dirty="0" smtClean="0"/>
                         <a:t>동일시 갈망</a:t>
                       </a:r>
                       <a:r>
-                        <a:rPr lang="en-US" altLang="ko-KR" sz="800" baseline="0" dirty="0" smtClean="0"/>
+                        <a:rPr lang="en-US" altLang="ko-KR" sz="1000" baseline="0" dirty="0" smtClean="0"/>
                         <a:t>(BJ</a:t>
                       </a:r>
                       <a:r>
-                        <a:rPr lang="ko-KR" altLang="en-US" sz="800" baseline="0" dirty="0" smtClean="0"/>
+                        <a:rPr lang="ko-KR" altLang="en-US" sz="1000" baseline="0" dirty="0" smtClean="0"/>
                         <a:t>처럼 됐으면</a:t>
                       </a:r>
                       <a:r>
-                        <a:rPr lang="en-US" altLang="ko-KR" sz="800" baseline="0" dirty="0" smtClean="0"/>
+                        <a:rPr lang="en-US" altLang="ko-KR" sz="1000" baseline="0" dirty="0" smtClean="0"/>
                         <a:t> </a:t>
                       </a:r>
                       <a:r>
-                        <a:rPr lang="ko-KR" altLang="en-US" sz="800" baseline="0" dirty="0" smtClean="0"/>
+                        <a:rPr lang="ko-KR" altLang="en-US" sz="1000" baseline="0" dirty="0" smtClean="0"/>
                         <a:t>좋겠다</a:t>
                       </a:r>
                       <a:r>
-                        <a:rPr lang="en-US" altLang="ko-KR" sz="800" baseline="0" dirty="0" smtClean="0"/>
+                        <a:rPr lang="en-US" altLang="ko-KR" sz="1000" baseline="0" dirty="0" smtClean="0"/>
                         <a:t>)</a:t>
                       </a:r>
                       <a:r>
-                        <a:rPr lang="ko-KR" altLang="en-US" sz="800" baseline="0" dirty="0" smtClean="0"/>
+                        <a:rPr lang="ko-KR" altLang="en-US" sz="1000" baseline="0" dirty="0" smtClean="0"/>
                         <a:t>이 제일 크고 다음이 오락성</a:t>
                       </a:r>
                       <a:r>
-                        <a:rPr lang="en-US" altLang="ko-KR" sz="800" baseline="0" dirty="0" smtClean="0"/>
+                        <a:rPr lang="en-US" altLang="ko-KR" sz="1000" baseline="0" dirty="0" smtClean="0"/>
                         <a:t>(</a:t>
                       </a:r>
                       <a:r>
-                        <a:rPr lang="ko-KR" altLang="en-US" sz="800" baseline="0" dirty="0" smtClean="0"/>
+                        <a:rPr lang="ko-KR" altLang="en-US" sz="1000" baseline="0" dirty="0" smtClean="0"/>
                         <a:t>보는게 즐겁다</a:t>
                       </a:r>
                       <a:r>
-                        <a:rPr lang="en-US" altLang="ko-KR" sz="800" baseline="0" dirty="0" smtClean="0"/>
+                        <a:rPr lang="en-US" altLang="ko-KR" sz="1000" baseline="0" dirty="0" smtClean="0"/>
                         <a:t>)</a:t>
                       </a:r>
                       <a:r>
-                        <a:rPr lang="ko-KR" altLang="en-US" sz="800" baseline="0" dirty="0" smtClean="0"/>
+                        <a:rPr lang="ko-KR" altLang="en-US" sz="1000" baseline="0" dirty="0" smtClean="0"/>
                         <a:t>이며 시간 보내기와 정보 추구는 큰 영향이 없음</a:t>
                       </a:r>
-                      <a:endParaRPr lang="en-US" altLang="ko-KR" sz="800" baseline="0" dirty="0" smtClean="0"/>
+                      <a:endParaRPr lang="en-US" altLang="ko-KR" sz="1000" baseline="0" dirty="0" smtClean="0"/>
                     </a:p>
                   </a:txBody>
                   <a:tcPr/>
@@ -3385,10 +3361,10 @@
                         <a:buChar char="•"/>
                       </a:pPr>
                       <a:r>
-                        <a:rPr lang="ko-KR" altLang="en-US" sz="800" dirty="0" smtClean="0"/>
+                        <a:rPr lang="ko-KR" altLang="en-US" sz="1000" dirty="0" smtClean="0"/>
                         <a:t>심층 인터뷰 진행</a:t>
                       </a:r>
-                      <a:endParaRPr lang="en-US" altLang="ko-KR" sz="800" dirty="0" smtClean="0"/>
+                      <a:endParaRPr lang="en-US" altLang="ko-KR" sz="1000" dirty="0" smtClean="0"/>
                     </a:p>
                     <a:p>
                       <a:pPr marL="171450" indent="-171450" latinLnBrk="1">
@@ -3396,35 +3372,35 @@
                         <a:buChar char="•"/>
                       </a:pPr>
                       <a:r>
-                        <a:rPr lang="ko-KR" altLang="en-US" sz="800" dirty="0" err="1" smtClean="0"/>
+                        <a:rPr lang="ko-KR" altLang="en-US" sz="1000" dirty="0" err="1" smtClean="0"/>
                         <a:t>정보추구</a:t>
                       </a:r>
                       <a:r>
-                        <a:rPr lang="en-US" altLang="ko-KR" sz="800" dirty="0" smtClean="0"/>
+                        <a:rPr lang="en-US" altLang="ko-KR" sz="1000" dirty="0" smtClean="0"/>
                         <a:t>(performance,</a:t>
                       </a:r>
                       <a:r>
-                        <a:rPr lang="ko-KR" altLang="en-US" sz="800" dirty="0" smtClean="0"/>
+                        <a:rPr lang="ko-KR" altLang="en-US" sz="1000" dirty="0" smtClean="0"/>
                         <a:t>플레이하는 게임의 전략</a:t>
                       </a:r>
                       <a:r>
-                        <a:rPr lang="en-US" altLang="ko-KR" sz="800" dirty="0" smtClean="0"/>
+                        <a:rPr lang="en-US" altLang="ko-KR" sz="1000" dirty="0" smtClean="0"/>
                         <a:t>or</a:t>
                       </a:r>
                       <a:r>
-                        <a:rPr lang="ko-KR" altLang="en-US" sz="800" dirty="0" smtClean="0"/>
+                        <a:rPr lang="ko-KR" altLang="en-US" sz="1000" dirty="0" smtClean="0"/>
                         <a:t>새로운 게임</a:t>
                       </a:r>
                       <a:r>
-                        <a:rPr lang="en-US" altLang="ko-KR" sz="800" baseline="0" dirty="0" smtClean="0"/>
+                        <a:rPr lang="en-US" altLang="ko-KR" sz="1000" baseline="0" dirty="0" smtClean="0"/>
                         <a:t> </a:t>
                       </a:r>
                       <a:r>
-                        <a:rPr lang="ko-KR" altLang="en-US" sz="800" baseline="0" dirty="0" smtClean="0"/>
+                        <a:rPr lang="ko-KR" altLang="en-US" sz="1000" baseline="0" dirty="0" smtClean="0"/>
                         <a:t>정보</a:t>
                       </a:r>
                       <a:r>
-                        <a:rPr lang="en-US" altLang="ko-KR" sz="800" dirty="0" smtClean="0"/>
+                        <a:rPr lang="en-US" altLang="ko-KR" sz="1000" dirty="0" smtClean="0"/>
                         <a:t>)</a:t>
                       </a:r>
                     </a:p>
@@ -3434,39 +3410,39 @@
                         <a:buChar char="•"/>
                       </a:pPr>
                       <a:r>
-                        <a:rPr lang="ko-KR" altLang="en-US" sz="800" dirty="0" smtClean="0"/>
+                        <a:rPr lang="ko-KR" altLang="en-US" sz="1000" dirty="0" smtClean="0"/>
                         <a:t>대리만족</a:t>
                       </a:r>
                       <a:r>
-                        <a:rPr lang="en-US" altLang="ko-KR" sz="800" dirty="0" smtClean="0"/>
+                        <a:rPr lang="en-US" altLang="ko-KR" sz="1000" dirty="0" smtClean="0"/>
                         <a:t>(performance,</a:t>
                       </a:r>
                       <a:r>
-                        <a:rPr lang="ko-KR" altLang="en-US" sz="800" dirty="0" smtClean="0"/>
+                        <a:rPr lang="ko-KR" altLang="en-US" sz="1000" dirty="0" smtClean="0"/>
                         <a:t>가장 많은 응답</a:t>
                       </a:r>
                       <a:r>
-                        <a:rPr lang="en-US" altLang="ko-KR" sz="800" dirty="0" smtClean="0"/>
+                        <a:rPr lang="en-US" altLang="ko-KR" sz="1000" dirty="0" smtClean="0"/>
                         <a:t>, </a:t>
                       </a:r>
                       <a:r>
-                        <a:rPr lang="ko-KR" altLang="en-US" sz="800" dirty="0" err="1" smtClean="0"/>
+                        <a:rPr lang="ko-KR" altLang="en-US" sz="1000" dirty="0" err="1" smtClean="0"/>
                         <a:t>스트리머가</a:t>
                       </a:r>
                       <a:r>
-                        <a:rPr lang="ko-KR" altLang="en-US" sz="800" dirty="0" smtClean="0"/>
+                        <a:rPr lang="ko-KR" altLang="en-US" sz="1000" dirty="0" smtClean="0"/>
                         <a:t> 게임을 대신</a:t>
                       </a:r>
                       <a:r>
-                        <a:rPr lang="en-US" altLang="ko-KR" sz="800" dirty="0" smtClean="0"/>
+                        <a:rPr lang="en-US" altLang="ko-KR" sz="1000" dirty="0" smtClean="0"/>
                         <a:t>, </a:t>
                       </a:r>
                       <a:r>
-                        <a:rPr lang="ko-KR" altLang="en-US" sz="800" dirty="0" smtClean="0"/>
+                        <a:rPr lang="ko-KR" altLang="en-US" sz="1000" dirty="0" smtClean="0"/>
                         <a:t>멋지게 플레이하는 것을 보며 대리만족</a:t>
                       </a:r>
                       <a:r>
-                        <a:rPr lang="en-US" altLang="ko-KR" sz="800" dirty="0" smtClean="0"/>
+                        <a:rPr lang="en-US" altLang="ko-KR" sz="1000" dirty="0" smtClean="0"/>
                         <a:t>)</a:t>
                       </a:r>
                     </a:p>
@@ -3476,30 +3452,30 @@
                         <a:buChar char="•"/>
                       </a:pPr>
                       <a:r>
-                        <a:rPr lang="ko-KR" altLang="en-US" sz="800" dirty="0" smtClean="0"/>
+                        <a:rPr lang="ko-KR" altLang="en-US" sz="1000" dirty="0" smtClean="0"/>
                         <a:t>휴식과 재미</a:t>
                       </a:r>
                       <a:r>
-                        <a:rPr lang="en-US" altLang="ko-KR" sz="800" dirty="0" smtClean="0"/>
+                        <a:rPr lang="en-US" altLang="ko-KR" sz="1000" dirty="0" smtClean="0"/>
                         <a:t>(Entertainment, </a:t>
                       </a:r>
                       <a:r>
-                        <a:rPr lang="ko-KR" altLang="en-US" sz="800" dirty="0" smtClean="0"/>
+                        <a:rPr lang="ko-KR" altLang="en-US" sz="1000" dirty="0" smtClean="0"/>
                         <a:t>순간의 자극과 재미</a:t>
                       </a:r>
                       <a:r>
-                        <a:rPr lang="en-US" altLang="ko-KR" sz="800" dirty="0" smtClean="0"/>
+                        <a:rPr lang="en-US" altLang="ko-KR" sz="1000" dirty="0" smtClean="0"/>
                         <a:t>, </a:t>
                       </a:r>
                       <a:r>
-                        <a:rPr lang="ko-KR" altLang="en-US" sz="800" dirty="0" smtClean="0"/>
+                        <a:rPr lang="ko-KR" altLang="en-US" sz="1000" dirty="0" smtClean="0"/>
                         <a:t>단편적이고 순간적인 즐거움 추구</a:t>
                       </a:r>
                       <a:r>
-                        <a:rPr lang="en-US" altLang="ko-KR" sz="800" dirty="0" smtClean="0"/>
+                        <a:rPr lang="en-US" altLang="ko-KR" sz="1000" dirty="0" smtClean="0"/>
                         <a:t>)</a:t>
                       </a:r>
-                      <a:endParaRPr lang="ko-KR" altLang="en-US" sz="800" dirty="0"/>
+                      <a:endParaRPr lang="ko-KR" altLang="en-US" sz="1000" dirty="0"/>
                     </a:p>
                   </a:txBody>
                   <a:tcPr/>
@@ -3514,18 +3490,18 @@
                         <a:buChar char="•"/>
                       </a:pPr>
                       <a:r>
-                        <a:rPr lang="en-US" altLang="ko-KR" sz="800" dirty="0" smtClean="0"/>
+                        <a:rPr lang="en-US" altLang="ko-KR" sz="1000" dirty="0" smtClean="0"/>
                         <a:t>AHP </a:t>
                       </a:r>
                       <a:r>
-                        <a:rPr lang="ko-KR" altLang="en-US" sz="800" dirty="0" smtClean="0"/>
+                        <a:rPr lang="ko-KR" altLang="en-US" sz="1000" dirty="0" smtClean="0"/>
                         <a:t>기법을</a:t>
                       </a:r>
                       <a:r>
-                        <a:rPr lang="ko-KR" altLang="en-US" sz="800" baseline="0" dirty="0" smtClean="0"/>
+                        <a:rPr lang="ko-KR" altLang="en-US" sz="1000" baseline="0" dirty="0" smtClean="0"/>
                         <a:t> 활용해 시청 요인의 상대적 중요도와 우선 순위 파악</a:t>
                       </a:r>
-                      <a:endParaRPr lang="en-US" altLang="ko-KR" sz="800" baseline="0" dirty="0" smtClean="0"/>
+                      <a:endParaRPr lang="en-US" altLang="ko-KR" sz="1000" baseline="0" dirty="0" smtClean="0"/>
                     </a:p>
                     <a:p>
                       <a:pPr marL="171450" indent="-171450" latinLnBrk="1">
@@ -3533,50 +3509,50 @@
                         <a:buChar char="•"/>
                       </a:pPr>
                       <a:r>
-                        <a:rPr lang="ko-KR" altLang="en-US" sz="800" dirty="0" smtClean="0"/>
+                        <a:rPr lang="ko-KR" altLang="en-US" sz="1000" dirty="0" smtClean="0"/>
                         <a:t>콘텐츠 요인</a:t>
                       </a:r>
                       <a:r>
-                        <a:rPr lang="en-US" altLang="ko-KR" sz="800" dirty="0" smtClean="0"/>
+                        <a:rPr lang="en-US" altLang="ko-KR" sz="1000" dirty="0" smtClean="0"/>
                         <a:t>(42.1)-</a:t>
                       </a:r>
                       <a:r>
-                        <a:rPr lang="ko-KR" altLang="en-US" sz="800" dirty="0" smtClean="0"/>
+                        <a:rPr lang="ko-KR" altLang="en-US" sz="1000" dirty="0" smtClean="0"/>
                         <a:t>방송 </a:t>
                       </a:r>
                       <a:r>
-                        <a:rPr lang="ko-KR" altLang="en-US" sz="800" dirty="0" err="1" smtClean="0"/>
+                        <a:rPr lang="ko-KR" altLang="en-US" sz="1000" dirty="0" err="1" smtClean="0"/>
                         <a:t>커뮤니케이터</a:t>
                       </a:r>
                       <a:r>
-                        <a:rPr lang="ko-KR" altLang="en-US" sz="800" dirty="0" smtClean="0"/>
+                        <a:rPr lang="ko-KR" altLang="en-US" sz="1000" dirty="0" smtClean="0"/>
                         <a:t> 요인</a:t>
                       </a:r>
                       <a:r>
-                        <a:rPr lang="en-US" altLang="ko-KR" sz="800" dirty="0" smtClean="0"/>
+                        <a:rPr lang="en-US" altLang="ko-KR" sz="1000" dirty="0" smtClean="0"/>
                         <a:t>(30)-</a:t>
                       </a:r>
                       <a:r>
-                        <a:rPr lang="ko-KR" altLang="en-US" sz="800" dirty="0" err="1" smtClean="0"/>
+                        <a:rPr lang="ko-KR" altLang="en-US" sz="1000" dirty="0" err="1" smtClean="0"/>
                         <a:t>상호작용성</a:t>
                       </a:r>
                       <a:r>
-                        <a:rPr lang="en-US" altLang="ko-KR" sz="800" dirty="0" smtClean="0"/>
+                        <a:rPr lang="en-US" altLang="ko-KR" sz="1000" dirty="0" smtClean="0"/>
                         <a:t>(27.9) </a:t>
                       </a:r>
                       <a:r>
-                        <a:rPr lang="ko-KR" altLang="en-US" sz="800" dirty="0" smtClean="0"/>
+                        <a:rPr lang="ko-KR" altLang="en-US" sz="1000" dirty="0" smtClean="0"/>
                         <a:t>순으로 </a:t>
                       </a:r>
                       <a:r>
-                        <a:rPr lang="en-US" altLang="ko-KR" sz="800" dirty="0" smtClean="0"/>
+                        <a:rPr lang="en-US" altLang="ko-KR" sz="1000" dirty="0" smtClean="0"/>
                         <a:t>1</a:t>
                       </a:r>
                       <a:r>
-                        <a:rPr lang="ko-KR" altLang="en-US" sz="800" dirty="0" smtClean="0"/>
+                        <a:rPr lang="ko-KR" altLang="en-US" sz="1000" dirty="0" smtClean="0"/>
                         <a:t>차적 시청 요인이 분석됨</a:t>
                       </a:r>
-                      <a:endParaRPr lang="en-US" altLang="ko-KR" sz="800" dirty="0" smtClean="0"/>
+                      <a:endParaRPr lang="en-US" altLang="ko-KR" sz="1000" dirty="0" smtClean="0"/>
                     </a:p>
                     <a:p>
                       <a:pPr marL="171450" indent="-171450" latinLnBrk="1">
@@ -3584,151 +3560,151 @@
                         <a:buChar char="•"/>
                       </a:pPr>
                       <a:r>
-                        <a:rPr lang="ko-KR" altLang="en-US" sz="800" dirty="0" err="1" smtClean="0"/>
+                        <a:rPr lang="ko-KR" altLang="en-US" sz="1000" dirty="0" err="1" smtClean="0"/>
                         <a:t>하위요인의</a:t>
                       </a:r>
                       <a:r>
-                        <a:rPr lang="ko-KR" altLang="en-US" sz="800" dirty="0" smtClean="0"/>
+                        <a:rPr lang="ko-KR" altLang="en-US" sz="1000" dirty="0" smtClean="0"/>
                         <a:t> 상대적 중요도</a:t>
                       </a:r>
                       <a:r>
-                        <a:rPr lang="en-US" altLang="ko-KR" sz="800" dirty="0" smtClean="0"/>
+                        <a:rPr lang="en-US" altLang="ko-KR" sz="1000" dirty="0" smtClean="0"/>
                         <a:t/>
                       </a:r>
                       <a:br>
-                        <a:rPr lang="en-US" altLang="ko-KR" sz="800" dirty="0" smtClean="0"/>
+                        <a:rPr lang="en-US" altLang="ko-KR" sz="1000" dirty="0" smtClean="0"/>
                       </a:br>
                       <a:r>
-                        <a:rPr lang="ko-KR" altLang="en-US" sz="800" dirty="0" smtClean="0"/>
+                        <a:rPr lang="ko-KR" altLang="en-US" sz="1000" dirty="0" smtClean="0"/>
                         <a:t>콘텐츠 요인 </a:t>
                       </a:r>
                       <a:r>
-                        <a:rPr lang="en-US" altLang="ko-KR" sz="800" dirty="0" smtClean="0"/>
+                        <a:rPr lang="en-US" altLang="ko-KR" sz="1000" dirty="0" smtClean="0"/>
                         <a:t>: </a:t>
                       </a:r>
                       <a:r>
-                        <a:rPr lang="ko-KR" altLang="en-US" sz="800" dirty="0" smtClean="0"/>
+                        <a:rPr lang="ko-KR" altLang="en-US" sz="1000" dirty="0" smtClean="0"/>
                         <a:t>오락성</a:t>
                       </a:r>
                       <a:r>
-                        <a:rPr lang="en-US" altLang="ko-KR" sz="800" dirty="0" smtClean="0"/>
+                        <a:rPr lang="en-US" altLang="ko-KR" sz="1000" dirty="0" smtClean="0"/>
                         <a:t>(70.2)-</a:t>
                       </a:r>
                       <a:r>
-                        <a:rPr lang="ko-KR" altLang="en-US" sz="800" dirty="0" smtClean="0"/>
+                        <a:rPr lang="ko-KR" altLang="en-US" sz="1000" dirty="0" smtClean="0"/>
                         <a:t>창의성</a:t>
                       </a:r>
                       <a:r>
-                        <a:rPr lang="en-US" altLang="ko-KR" sz="800" dirty="0" smtClean="0"/>
+                        <a:rPr lang="en-US" altLang="ko-KR" sz="1000" dirty="0" smtClean="0"/>
                         <a:t>(15.7)-</a:t>
                       </a:r>
                       <a:r>
-                        <a:rPr lang="ko-KR" altLang="en-US" sz="800" dirty="0" smtClean="0"/>
+                        <a:rPr lang="ko-KR" altLang="en-US" sz="1000" dirty="0" smtClean="0"/>
                         <a:t>정보성</a:t>
                       </a:r>
                       <a:r>
-                        <a:rPr lang="en-US" altLang="ko-KR" sz="800" dirty="0" smtClean="0"/>
+                        <a:rPr lang="en-US" altLang="ko-KR" sz="1000" dirty="0" smtClean="0"/>
                         <a:t>(14.1)</a:t>
                       </a:r>
                       <a:br>
-                        <a:rPr lang="en-US" altLang="ko-KR" sz="800" dirty="0" smtClean="0"/>
+                        <a:rPr lang="en-US" altLang="ko-KR" sz="1000" dirty="0" smtClean="0"/>
                       </a:br>
                       <a:r>
-                        <a:rPr lang="ko-KR" altLang="en-US" sz="800" dirty="0" smtClean="0"/>
+                        <a:rPr lang="ko-KR" altLang="en-US" sz="1000" dirty="0" smtClean="0"/>
                         <a:t>방송 </a:t>
                       </a:r>
                       <a:r>
-                        <a:rPr lang="ko-KR" altLang="en-US" sz="800" dirty="0" err="1" smtClean="0"/>
+                        <a:rPr lang="ko-KR" altLang="en-US" sz="1000" dirty="0" err="1" smtClean="0"/>
                         <a:t>커뮤니케이터</a:t>
                       </a:r>
                       <a:r>
-                        <a:rPr lang="ko-KR" altLang="en-US" sz="800" dirty="0" smtClean="0"/>
+                        <a:rPr lang="ko-KR" altLang="en-US" sz="1000" dirty="0" smtClean="0"/>
                         <a:t> 요인 </a:t>
                       </a:r>
                       <a:r>
-                        <a:rPr lang="en-US" altLang="ko-KR" sz="800" dirty="0" smtClean="0"/>
+                        <a:rPr lang="en-US" altLang="ko-KR" sz="1000" dirty="0" smtClean="0"/>
                         <a:t>: </a:t>
                       </a:r>
                       <a:r>
-                        <a:rPr lang="ko-KR" altLang="en-US" sz="800" dirty="0" err="1" smtClean="0"/>
+                        <a:rPr lang="ko-KR" altLang="en-US" sz="1000" dirty="0" err="1" smtClean="0"/>
                         <a:t>매력성</a:t>
                       </a:r>
                       <a:r>
-                        <a:rPr lang="en-US" altLang="ko-KR" sz="800" dirty="0" smtClean="0"/>
+                        <a:rPr lang="en-US" altLang="ko-KR" sz="1000" dirty="0" smtClean="0"/>
                         <a:t>(25.4)-</a:t>
                       </a:r>
                       <a:r>
-                        <a:rPr lang="ko-KR" altLang="en-US" sz="800" dirty="0" smtClean="0"/>
+                        <a:rPr lang="ko-KR" altLang="en-US" sz="1000" dirty="0" smtClean="0"/>
                         <a:t>독창성</a:t>
                       </a:r>
                       <a:r>
-                        <a:rPr lang="en-US" altLang="ko-KR" sz="800" dirty="0" smtClean="0"/>
+                        <a:rPr lang="en-US" altLang="ko-KR" sz="1000" dirty="0" smtClean="0"/>
                         <a:t>(19.3)-</a:t>
                       </a:r>
                       <a:r>
-                        <a:rPr lang="ko-KR" altLang="en-US" sz="800" dirty="0" err="1" smtClean="0"/>
+                        <a:rPr lang="ko-KR" altLang="en-US" sz="1000" dirty="0" err="1" smtClean="0"/>
                         <a:t>소통성</a:t>
                       </a:r>
                       <a:r>
-                        <a:rPr lang="en-US" altLang="ko-KR" sz="800" dirty="0" smtClean="0"/>
+                        <a:rPr lang="en-US" altLang="ko-KR" sz="1000" dirty="0" smtClean="0"/>
                         <a:t>(19)-</a:t>
                       </a:r>
                       <a:r>
-                        <a:rPr lang="ko-KR" altLang="en-US" sz="800" dirty="0" smtClean="0"/>
+                        <a:rPr lang="ko-KR" altLang="en-US" sz="1000" dirty="0" smtClean="0"/>
                         <a:t>신뢰성</a:t>
                       </a:r>
                       <a:r>
-                        <a:rPr lang="en-US" altLang="ko-KR" sz="800" dirty="0" smtClean="0"/>
+                        <a:rPr lang="en-US" altLang="ko-KR" sz="1000" dirty="0" smtClean="0"/>
                         <a:t>(18.8)-</a:t>
                       </a:r>
                       <a:r>
-                        <a:rPr lang="ko-KR" altLang="en-US" sz="800" dirty="0" smtClean="0"/>
+                        <a:rPr lang="ko-KR" altLang="en-US" sz="1000" dirty="0" smtClean="0"/>
                         <a:t>전문성</a:t>
                       </a:r>
                       <a:r>
-                        <a:rPr lang="en-US" altLang="ko-KR" sz="800" dirty="0" smtClean="0"/>
+                        <a:rPr lang="en-US" altLang="ko-KR" sz="1000" dirty="0" smtClean="0"/>
                         <a:t>(17.5)</a:t>
                       </a:r>
                       <a:br>
-                        <a:rPr lang="en-US" altLang="ko-KR" sz="800" dirty="0" smtClean="0"/>
+                        <a:rPr lang="en-US" altLang="ko-KR" sz="1000" dirty="0" smtClean="0"/>
                       </a:br>
                       <a:r>
-                        <a:rPr lang="ko-KR" altLang="en-US" sz="800" dirty="0" err="1" smtClean="0"/>
+                        <a:rPr lang="ko-KR" altLang="en-US" sz="1000" dirty="0" err="1" smtClean="0"/>
                         <a:t>상호작용성</a:t>
                       </a:r>
                       <a:r>
-                        <a:rPr lang="ko-KR" altLang="en-US" sz="800" dirty="0" smtClean="0"/>
+                        <a:rPr lang="ko-KR" altLang="en-US" sz="1000" dirty="0" smtClean="0"/>
                         <a:t> 요인 </a:t>
                       </a:r>
                       <a:r>
-                        <a:rPr lang="en-US" altLang="ko-KR" sz="800" dirty="0" smtClean="0"/>
+                        <a:rPr lang="en-US" altLang="ko-KR" sz="1000" dirty="0" smtClean="0"/>
                         <a:t>: </a:t>
                       </a:r>
                       <a:r>
-                        <a:rPr lang="ko-KR" altLang="en-US" sz="800" dirty="0" err="1" smtClean="0"/>
+                        <a:rPr lang="ko-KR" altLang="en-US" sz="1000" dirty="0" err="1" smtClean="0"/>
                         <a:t>반응성</a:t>
                       </a:r>
                       <a:r>
-                        <a:rPr lang="en-US" altLang="ko-KR" sz="800" dirty="0" smtClean="0"/>
+                        <a:rPr lang="en-US" altLang="ko-KR" sz="1000" dirty="0" smtClean="0"/>
                         <a:t>(48.1)-</a:t>
                       </a:r>
                       <a:r>
-                        <a:rPr lang="ko-KR" altLang="en-US" sz="800" dirty="0" smtClean="0"/>
+                        <a:rPr lang="ko-KR" altLang="en-US" sz="1000" dirty="0" smtClean="0"/>
                         <a:t>쌍방향커뮤니케이션</a:t>
                       </a:r>
                       <a:r>
-                        <a:rPr lang="en-US" altLang="ko-KR" sz="800" dirty="0" smtClean="0"/>
+                        <a:rPr lang="en-US" altLang="ko-KR" sz="1000" dirty="0" smtClean="0"/>
                         <a:t>(42)-</a:t>
                       </a:r>
                       <a:r>
-                        <a:rPr lang="ko-KR" altLang="en-US" sz="800" dirty="0" err="1" smtClean="0"/>
+                        <a:rPr lang="ko-KR" altLang="en-US" sz="1000" dirty="0" err="1" smtClean="0"/>
                         <a:t>통제성</a:t>
                       </a:r>
                       <a:r>
-                        <a:rPr lang="en-US" altLang="ko-KR" sz="800" dirty="0" smtClean="0"/>
+                        <a:rPr lang="en-US" altLang="ko-KR" sz="1000" dirty="0" smtClean="0"/>
                         <a:t>(9.9)</a:t>
                       </a:r>
-                      <a:endParaRPr lang="ko-KR" altLang="en-US" sz="800" dirty="0"/>
+                      <a:endParaRPr lang="ko-KR" altLang="en-US" sz="1000" dirty="0"/>
                     </a:p>
                   </a:txBody>
                   <a:tcPr/>
@@ -3738,30 +3714,102 @@
                     <a:bodyPr/>
                     <a:lstStyle/>
                     <a:p>
-                      <a:pPr latinLnBrk="1"/>
-                      <a:endParaRPr lang="ko-KR" altLang="en-US" sz="800" dirty="0"/>
-                    </a:p>
-                  </a:txBody>
-                  <a:tcPr/>
-                </a:tc>
-                <a:tc>
-                  <a:txBody>
-                    <a:bodyPr/>
-                    <a:lstStyle/>
-                    <a:p>
-                      <a:pPr latinLnBrk="1"/>
-                      <a:endParaRPr lang="ko-KR" altLang="en-US" sz="800" dirty="0"/>
-                    </a:p>
-                  </a:txBody>
-                  <a:tcPr/>
-                </a:tc>
-                <a:tc>
-                  <a:txBody>
-                    <a:bodyPr/>
-                    <a:lstStyle/>
-                    <a:p>
-                      <a:pPr latinLnBrk="1"/>
-                      <a:endParaRPr lang="ko-KR" altLang="en-US" sz="800" dirty="0"/>
+                      <a:pPr marL="171450" indent="-171450" latinLnBrk="1">
+                        <a:buFont typeface="Arial" panose="020B0604020202020204" pitchFamily="34" charset="0"/>
+                        <a:buChar char="•"/>
+                      </a:pPr>
+                      <a:r>
+                        <a:rPr lang="ko-KR" altLang="en-US" sz="1000" dirty="0" smtClean="0"/>
+                        <a:t>이용과 충족 이론을 토대로 게임 방송 이용 동기가 지속사용의도에 어떤 영향을 미치는지</a:t>
+                      </a:r>
+                      <a:r>
+                        <a:rPr lang="en-US" altLang="ko-KR" sz="1000" dirty="0" smtClean="0"/>
+                        <a:t>, </a:t>
+                      </a:r>
+                      <a:r>
+                        <a:rPr lang="ko-KR" altLang="en-US" sz="1000" dirty="0" smtClean="0"/>
+                        <a:t>지속사용의도가 만족도와 몰입에 어떤 영향을 미치는지</a:t>
+                      </a:r>
+                      <a:r>
+                        <a:rPr lang="en-US" altLang="ko-KR" sz="1000" baseline="0" dirty="0" smtClean="0"/>
+                        <a:t> </a:t>
+                      </a:r>
+                      <a:r>
+                        <a:rPr lang="ko-KR" altLang="en-US" sz="1000" baseline="0" dirty="0" smtClean="0"/>
+                        <a:t>살펴봄</a:t>
+                      </a:r>
+                      <a:endParaRPr lang="en-US" altLang="ko-KR" sz="1000" baseline="0" dirty="0" smtClean="0"/>
+                    </a:p>
+                    <a:p>
+                      <a:pPr marL="171450" indent="-171450" latinLnBrk="1">
+                        <a:buFont typeface="Arial" panose="020B0604020202020204" pitchFamily="34" charset="0"/>
+                        <a:buChar char="•"/>
+                      </a:pPr>
+                      <a:r>
+                        <a:rPr lang="ko-KR" altLang="en-US" sz="1000" baseline="0" dirty="0" smtClean="0"/>
+                        <a:t>이용 동기의 하위차원으로 상호작용</a:t>
+                      </a:r>
+                      <a:r>
+                        <a:rPr lang="en-US" altLang="ko-KR" sz="1000" baseline="0" dirty="0" smtClean="0"/>
+                        <a:t>,</a:t>
+                      </a:r>
+                      <a:r>
+                        <a:rPr lang="ko-KR" altLang="en-US" sz="1000" baseline="0" dirty="0" err="1" smtClean="0"/>
+                        <a:t>시청공감</a:t>
+                      </a:r>
+                      <a:r>
+                        <a:rPr lang="en-US" altLang="ko-KR" sz="1000" baseline="0" dirty="0" smtClean="0"/>
+                        <a:t>,</a:t>
+                      </a:r>
+                      <a:r>
+                        <a:rPr lang="ko-KR" altLang="en-US" sz="1000" baseline="0" dirty="0" err="1" smtClean="0"/>
+                        <a:t>의견교류</a:t>
+                      </a:r>
+                      <a:r>
+                        <a:rPr lang="en-US" altLang="ko-KR" sz="1000" baseline="0" dirty="0" smtClean="0"/>
+                        <a:t>,</a:t>
+                      </a:r>
+                      <a:r>
+                        <a:rPr lang="ko-KR" altLang="en-US" sz="1000" baseline="0" dirty="0" err="1" smtClean="0"/>
+                        <a:t>정보추구</a:t>
+                      </a:r>
+                      <a:r>
+                        <a:rPr lang="en-US" altLang="ko-KR" sz="1000" baseline="0" dirty="0" smtClean="0"/>
+                        <a:t>,</a:t>
+                      </a:r>
+                      <a:r>
+                        <a:rPr lang="ko-KR" altLang="en-US" sz="1000" baseline="0" dirty="0" smtClean="0"/>
+                        <a:t>오락으로 구분했고</a:t>
+                      </a:r>
+                      <a:r>
+                        <a:rPr lang="en-US" altLang="ko-KR" sz="1000" baseline="0" dirty="0" smtClean="0"/>
+                        <a:t>, </a:t>
+                      </a:r>
+                      <a:r>
+                        <a:rPr lang="ko-KR" altLang="en-US" sz="1000" baseline="0" dirty="0" smtClean="0"/>
+                        <a:t>이 </a:t>
+                      </a:r>
+                      <a:r>
+                        <a:rPr lang="ko-KR" altLang="en-US" sz="1000" baseline="0" dirty="0" err="1" smtClean="0"/>
+                        <a:t>중에상호작용과</a:t>
+                      </a:r>
+                      <a:r>
+                        <a:rPr lang="ko-KR" altLang="en-US" sz="1000" baseline="0" dirty="0" smtClean="0"/>
+                        <a:t> 오락</a:t>
+                      </a:r>
+                      <a:r>
+                        <a:rPr lang="en-US" altLang="ko-KR" sz="1000" baseline="0" dirty="0" smtClean="0"/>
+                        <a:t>, </a:t>
+                      </a:r>
+                      <a:r>
+                        <a:rPr lang="ko-KR" altLang="en-US" sz="1000" baseline="0" dirty="0" err="1" smtClean="0"/>
+                        <a:t>시청공감이</a:t>
+                      </a:r>
+                      <a:r>
+                        <a:rPr lang="ko-KR" altLang="en-US" sz="1000" baseline="0" dirty="0" smtClean="0"/>
+                        <a:t> 매우 중요</a:t>
+                      </a:r>
+                      <a:endParaRPr lang="en-US" altLang="ko-KR" sz="1000" baseline="0" dirty="0" smtClean="0"/>
                     </a:p>
                   </a:txBody>
                   <a:tcPr/>
@@ -3783,39 +3831,39 @@
                         <a:buChar char="•"/>
                       </a:pPr>
                       <a:r>
-                        <a:rPr lang="ko-KR" altLang="en-US" sz="800" baseline="0" dirty="0" smtClean="0"/>
+                        <a:rPr lang="ko-KR" altLang="en-US" sz="1000" baseline="0" dirty="0" smtClean="0"/>
                         <a:t>동일시 갈망</a:t>
                       </a:r>
                       <a:r>
-                        <a:rPr lang="en-US" altLang="ko-KR" sz="800" baseline="0" dirty="0" smtClean="0"/>
+                        <a:rPr lang="en-US" altLang="ko-KR" sz="1000" baseline="0" dirty="0" smtClean="0"/>
                         <a:t>(BJ</a:t>
                       </a:r>
                       <a:r>
-                        <a:rPr lang="ko-KR" altLang="en-US" sz="800" baseline="0" dirty="0" smtClean="0"/>
+                        <a:rPr lang="ko-KR" altLang="en-US" sz="1000" baseline="0" dirty="0" smtClean="0"/>
                         <a:t>가 부와 명예를 쌓는 것을 보고 선망함</a:t>
                       </a:r>
                       <a:r>
-                        <a:rPr lang="en-US" altLang="ko-KR" sz="800" baseline="0" dirty="0" smtClean="0"/>
+                        <a:rPr lang="en-US" altLang="ko-KR" sz="1000" baseline="0" dirty="0" smtClean="0"/>
                         <a:t>, </a:t>
                       </a:r>
                       <a:r>
-                        <a:rPr lang="ko-KR" altLang="en-US" sz="800" baseline="0" dirty="0" smtClean="0"/>
+                        <a:rPr lang="ko-KR" altLang="en-US" sz="1000" baseline="0" dirty="0" smtClean="0"/>
                         <a:t>방송에서 서로 상호작용하며 소통하고 교류하면서 친밀감을 느끼고 </a:t>
                       </a:r>
                       <a:r>
-                        <a:rPr lang="en-US" altLang="ko-KR" sz="800" baseline="0" dirty="0" smtClean="0"/>
+                        <a:rPr lang="en-US" altLang="ko-KR" sz="1000" baseline="0" dirty="0" smtClean="0"/>
                         <a:t>BJ</a:t>
                       </a:r>
                       <a:r>
-                        <a:rPr lang="ko-KR" altLang="en-US" sz="800" baseline="0" dirty="0" smtClean="0"/>
+                        <a:rPr lang="ko-KR" altLang="en-US" sz="1000" baseline="0" dirty="0" smtClean="0"/>
                         <a:t>가 </a:t>
                       </a:r>
                       <a:r>
-                        <a:rPr lang="ko-KR" altLang="en-US" sz="800" baseline="0" dirty="0" err="1" smtClean="0"/>
+                        <a:rPr lang="ko-KR" altLang="en-US" sz="1000" baseline="0" dirty="0" err="1" smtClean="0"/>
                         <a:t>되고싶어함</a:t>
                       </a:r>
                       <a:r>
-                        <a:rPr lang="en-US" altLang="ko-KR" sz="800" baseline="0" dirty="0" smtClean="0"/>
+                        <a:rPr lang="en-US" altLang="ko-KR" sz="1000" baseline="0" dirty="0" smtClean="0"/>
                         <a:t>)</a:t>
                       </a:r>
                     </a:p>
@@ -3825,15 +3873,15 @@
                         <a:buChar char="•"/>
                       </a:pPr>
                       <a:r>
-                        <a:rPr lang="ko-KR" altLang="en-US" sz="800" baseline="0" dirty="0" smtClean="0"/>
+                        <a:rPr lang="ko-KR" altLang="en-US" sz="1000" baseline="0" dirty="0" smtClean="0"/>
                         <a:t>오락성 추구</a:t>
                       </a:r>
                       <a:r>
-                        <a:rPr lang="en-US" altLang="ko-KR" sz="800" baseline="0" dirty="0" smtClean="0"/>
+                        <a:rPr lang="en-US" altLang="ko-KR" sz="1000" baseline="0" dirty="0" smtClean="0"/>
                         <a:t>(</a:t>
                       </a:r>
                       <a:r>
-                        <a:rPr lang="en-US" altLang="ko-KR" sz="800" b="0" i="0" u="none" strike="noStrike" kern="1200" baseline="0" dirty="0" smtClean="0">
+                        <a:rPr lang="en-US" altLang="ko-KR" sz="1000" b="0" i="0" u="none" strike="noStrike" kern="1200" baseline="0" dirty="0" smtClean="0">
                           <a:solidFill>
                             <a:schemeClr val="tx1"/>
                           </a:solidFill>
@@ -3844,7 +3892,7 @@
                         <a:t>BJ</a:t>
                       </a:r>
                       <a:r>
-                        <a:rPr lang="ko-KR" altLang="en-US" sz="800" b="0" i="0" u="none" strike="noStrike" kern="1200" baseline="0" dirty="0" smtClean="0">
+                        <a:rPr lang="ko-KR" altLang="en-US" sz="1000" b="0" i="0" u="none" strike="noStrike" kern="1200" baseline="0" dirty="0" smtClean="0">
                           <a:solidFill>
                             <a:schemeClr val="tx1"/>
                           </a:solidFill>
@@ -3855,7 +3903,7 @@
                         <a:t>가 게임 과정을 중계하기도 하고 자신이 직접 플레이하며 시청자들과 소통</a:t>
                       </a:r>
                       <a:r>
-                        <a:rPr lang="en-US" altLang="ko-KR" sz="800" b="0" i="0" u="none" strike="noStrike" kern="1200" baseline="0" dirty="0" smtClean="0">
+                        <a:rPr lang="en-US" altLang="ko-KR" sz="1000" b="0" i="0" u="none" strike="noStrike" kern="1200" baseline="0" dirty="0" smtClean="0">
                           <a:solidFill>
                             <a:schemeClr val="tx1"/>
                           </a:solidFill>
@@ -3866,11 +3914,11 @@
                         <a:t>,</a:t>
                       </a:r>
                       <a:r>
-                        <a:rPr lang="ko-KR" altLang="en-US" sz="800" baseline="0" dirty="0" smtClean="0"/>
+                        <a:rPr lang="ko-KR" altLang="en-US" sz="1000" baseline="0" dirty="0" smtClean="0"/>
                         <a:t> </a:t>
                       </a:r>
                       <a:r>
-                        <a:rPr lang="en-US" altLang="ko-KR" sz="800" baseline="0" dirty="0" smtClean="0"/>
+                        <a:rPr lang="en-US" altLang="ko-KR" sz="1000" baseline="0" dirty="0" smtClean="0"/>
                         <a:t>Entertainment)</a:t>
                       </a:r>
                     </a:p>
@@ -3880,39 +3928,39 @@
                         <a:buChar char="•"/>
                       </a:pPr>
                       <a:r>
-                        <a:rPr lang="ko-KR" altLang="en-US" sz="800" baseline="0" dirty="0" smtClean="0"/>
+                        <a:rPr lang="ko-KR" altLang="en-US" sz="1000" baseline="0" dirty="0" smtClean="0"/>
                         <a:t>시간 보내기</a:t>
                       </a:r>
                       <a:r>
-                        <a:rPr lang="en-US" altLang="ko-KR" sz="800" baseline="0" dirty="0" smtClean="0"/>
+                        <a:rPr lang="en-US" altLang="ko-KR" sz="1000" baseline="0" dirty="0" smtClean="0"/>
                         <a:t>(</a:t>
                       </a:r>
                       <a:r>
-                        <a:rPr lang="ko-KR" altLang="en-US" sz="800" baseline="0" dirty="0" err="1" smtClean="0"/>
+                        <a:rPr lang="ko-KR" altLang="en-US" sz="1000" baseline="0" dirty="0" err="1" smtClean="0"/>
                         <a:t>인방은</a:t>
                       </a:r>
                       <a:r>
-                        <a:rPr lang="ko-KR" altLang="en-US" sz="800" baseline="0" dirty="0" smtClean="0"/>
+                        <a:rPr lang="ko-KR" altLang="en-US" sz="1000" baseline="0" dirty="0" smtClean="0"/>
                         <a:t> </a:t>
                       </a:r>
                       <a:r>
-                        <a:rPr lang="en-US" altLang="ko-KR" sz="800" baseline="0" dirty="0" smtClean="0"/>
+                        <a:rPr lang="en-US" altLang="ko-KR" sz="1000" baseline="0" dirty="0" smtClean="0"/>
                         <a:t>TV</a:t>
                       </a:r>
                       <a:r>
-                        <a:rPr lang="ko-KR" altLang="en-US" sz="800" baseline="0" dirty="0" smtClean="0"/>
+                        <a:rPr lang="ko-KR" altLang="en-US" sz="1000" baseline="0" dirty="0" smtClean="0"/>
                         <a:t>보는 것과 유사</a:t>
                       </a:r>
                       <a:r>
-                        <a:rPr lang="en-US" altLang="ko-KR" sz="800" baseline="0" dirty="0" smtClean="0"/>
+                        <a:rPr lang="en-US" altLang="ko-KR" sz="1000" baseline="0" dirty="0" smtClean="0"/>
                         <a:t>, TV</a:t>
                       </a:r>
                       <a:r>
-                        <a:rPr lang="ko-KR" altLang="en-US" sz="800" baseline="0" dirty="0" smtClean="0"/>
+                        <a:rPr lang="ko-KR" altLang="en-US" sz="1000" baseline="0" dirty="0" smtClean="0"/>
                         <a:t>볼 때 시간 보내려 본다는 연구 결과가 있으므로 그것을 적용</a:t>
                       </a:r>
                       <a:r>
-                        <a:rPr lang="en-US" altLang="ko-KR" sz="800" baseline="0" dirty="0" smtClean="0"/>
+                        <a:rPr lang="en-US" altLang="ko-KR" sz="1000" baseline="0" dirty="0" smtClean="0"/>
                         <a:t>)</a:t>
                       </a:r>
                     </a:p>
@@ -3922,11 +3970,11 @@
                         <a:buChar char="•"/>
                       </a:pPr>
                       <a:r>
-                        <a:rPr lang="ko-KR" altLang="en-US" sz="800" baseline="0" dirty="0" err="1" smtClean="0"/>
+                        <a:rPr lang="ko-KR" altLang="en-US" sz="1000" baseline="0" dirty="0" err="1" smtClean="0"/>
                         <a:t>정보추구</a:t>
                       </a:r>
                       <a:r>
-                        <a:rPr lang="en-US" altLang="ko-KR" sz="800" baseline="0" dirty="0" smtClean="0"/>
+                        <a:rPr lang="en-US" altLang="ko-KR" sz="1000" baseline="0" dirty="0" smtClean="0"/>
                         <a:t>(performance)</a:t>
                       </a:r>
                     </a:p>
@@ -3935,7 +3983,7 @@
                         <a:buFont typeface="Arial" panose="020B0604020202020204" pitchFamily="34" charset="0"/>
                         <a:buChar char="•"/>
                       </a:pPr>
-                      <a:endParaRPr lang="en-US" altLang="ko-KR" sz="800" baseline="0" dirty="0" smtClean="0"/>
+                      <a:endParaRPr lang="en-US" altLang="ko-KR" sz="1000" baseline="0" dirty="0" smtClean="0"/>
                     </a:p>
                   </a:txBody>
                   <a:tcPr/>
@@ -3950,71 +3998,71 @@
                         <a:buChar char="•"/>
                       </a:pPr>
                       <a:r>
-                        <a:rPr lang="ko-KR" altLang="en-US" sz="800" dirty="0" smtClean="0"/>
+                        <a:rPr lang="ko-KR" altLang="en-US" sz="1000" dirty="0" smtClean="0"/>
                         <a:t>게임 방송 이용 유형</a:t>
                       </a:r>
                       <a:r>
-                        <a:rPr lang="en-US" altLang="ko-KR" sz="800" dirty="0" smtClean="0"/>
+                        <a:rPr lang="en-US" altLang="ko-KR" sz="1000" dirty="0" smtClean="0"/>
                         <a:t>,</a:t>
                       </a:r>
                       <a:r>
-                        <a:rPr lang="ko-KR" altLang="en-US" sz="800" dirty="0" smtClean="0"/>
+                        <a:rPr lang="ko-KR" altLang="en-US" sz="1000" dirty="0" smtClean="0"/>
                         <a:t> 선택 기준</a:t>
                       </a:r>
                       <a:r>
-                        <a:rPr lang="en-US" altLang="ko-KR" sz="800" dirty="0" smtClean="0"/>
+                        <a:rPr lang="en-US" altLang="ko-KR" sz="1000" dirty="0" smtClean="0"/>
                         <a:t>,</a:t>
                       </a:r>
                       <a:r>
-                        <a:rPr lang="en-US" altLang="ko-KR" sz="800" baseline="0" dirty="0" smtClean="0"/>
+                        <a:rPr lang="en-US" altLang="ko-KR" sz="1000" baseline="0" dirty="0" smtClean="0"/>
                         <a:t> </a:t>
                       </a:r>
                       <a:r>
-                        <a:rPr lang="ko-KR" altLang="en-US" sz="800" baseline="0" dirty="0" err="1" smtClean="0"/>
+                        <a:rPr lang="ko-KR" altLang="en-US" sz="1000" baseline="0" dirty="0" err="1" smtClean="0"/>
                         <a:t>게임방송에</a:t>
                       </a:r>
                       <a:r>
-                        <a:rPr lang="ko-KR" altLang="en-US" sz="800" baseline="0" dirty="0" smtClean="0"/>
+                        <a:rPr lang="ko-KR" altLang="en-US" sz="1000" baseline="0" dirty="0" smtClean="0"/>
                         <a:t> 대한 인식은 제외</a:t>
                       </a:r>
                       <a:r>
-                        <a:rPr lang="ko-KR" altLang="en-US" sz="800" dirty="0" smtClean="0"/>
+                        <a:rPr lang="ko-KR" altLang="en-US" sz="1000" dirty="0" smtClean="0"/>
                         <a:t> </a:t>
                       </a:r>
                       <a:r>
-                        <a:rPr lang="en-US" altLang="ko-KR" sz="800" dirty="0" smtClean="0"/>
+                        <a:rPr lang="en-US" altLang="ko-KR" sz="1000" dirty="0" smtClean="0"/>
                         <a:t>(</a:t>
                       </a:r>
                       <a:r>
-                        <a:rPr lang="ko-KR" altLang="en-US" sz="800" dirty="0" err="1" smtClean="0"/>
+                        <a:rPr lang="ko-KR" altLang="en-US" sz="1000" dirty="0" err="1" smtClean="0"/>
                         <a:t>비실시간</a:t>
                       </a:r>
                       <a:r>
-                        <a:rPr lang="ko-KR" altLang="en-US" sz="800" dirty="0" smtClean="0"/>
+                        <a:rPr lang="ko-KR" altLang="en-US" sz="1000" dirty="0" smtClean="0"/>
                         <a:t> 편집 방송 이용</a:t>
                       </a:r>
                       <a:r>
-                        <a:rPr lang="en-US" altLang="ko-KR" sz="800" dirty="0" smtClean="0"/>
+                        <a:rPr lang="en-US" altLang="ko-KR" sz="1000" dirty="0" smtClean="0"/>
                         <a:t>, </a:t>
                       </a:r>
                       <a:r>
-                        <a:rPr lang="ko-KR" altLang="en-US" sz="800" dirty="0" smtClean="0"/>
+                        <a:rPr lang="ko-KR" altLang="en-US" sz="1000" dirty="0" smtClean="0"/>
                         <a:t>칭찬과 훈수같은 게임 방송에의 참여</a:t>
                       </a:r>
                       <a:r>
-                        <a:rPr lang="en-US" altLang="ko-KR" sz="800" dirty="0" smtClean="0"/>
+                        <a:rPr lang="en-US" altLang="ko-KR" sz="1000" dirty="0" smtClean="0"/>
                         <a:t>, </a:t>
                       </a:r>
                       <a:r>
-                        <a:rPr lang="ko-KR" altLang="en-US" sz="800" dirty="0" err="1" smtClean="0"/>
+                        <a:rPr lang="ko-KR" altLang="en-US" sz="1000" dirty="0" err="1" smtClean="0"/>
                         <a:t>크리에이터의</a:t>
                       </a:r>
                       <a:r>
-                        <a:rPr lang="ko-KR" altLang="en-US" sz="800" dirty="0" smtClean="0"/>
+                        <a:rPr lang="ko-KR" altLang="en-US" sz="1000" dirty="0" smtClean="0"/>
                         <a:t> 태도와 역량 등</a:t>
                       </a:r>
                       <a:r>
-                        <a:rPr lang="en-US" altLang="ko-KR" sz="800" dirty="0" smtClean="0"/>
+                        <a:rPr lang="en-US" altLang="ko-KR" sz="1000" dirty="0" smtClean="0"/>
                         <a:t>)</a:t>
                       </a:r>
                     </a:p>
@@ -4024,22 +4072,22 @@
                         <a:buChar char="•"/>
                       </a:pPr>
                       <a:r>
-                        <a:rPr lang="ko-KR" altLang="en-US" sz="800" dirty="0" smtClean="0"/>
+                        <a:rPr lang="ko-KR" altLang="en-US" sz="1000" dirty="0" smtClean="0"/>
                         <a:t>위 사항들은 인터넷 방송이라는 미디어 환경과 개개인의 인식과 참여</a:t>
                       </a:r>
                       <a:r>
-                        <a:rPr lang="en-US" altLang="ko-KR" sz="800" dirty="0" smtClean="0"/>
+                        <a:rPr lang="en-US" altLang="ko-KR" sz="1000" dirty="0" smtClean="0"/>
                         <a:t>, </a:t>
                       </a:r>
                       <a:r>
-                        <a:rPr lang="ko-KR" altLang="en-US" sz="800" dirty="0" err="1" smtClean="0"/>
+                        <a:rPr lang="ko-KR" altLang="en-US" sz="1000" dirty="0" err="1" smtClean="0"/>
                         <a:t>크리에이터의</a:t>
                       </a:r>
                       <a:r>
-                        <a:rPr lang="ko-KR" altLang="en-US" sz="800" dirty="0" smtClean="0"/>
+                        <a:rPr lang="ko-KR" altLang="en-US" sz="1000" dirty="0" smtClean="0"/>
                         <a:t> 개인적 역량 등 게임 콘텐츠와 구분된 내용이기 때문</a:t>
                       </a:r>
-                      <a:endParaRPr lang="ko-KR" altLang="en-US" sz="800" dirty="0"/>
+                      <a:endParaRPr lang="ko-KR" altLang="en-US" sz="1000" dirty="0"/>
                     </a:p>
                   </a:txBody>
                   <a:tcPr/>
@@ -4050,7 +4098,7 @@
                     <a:lstStyle/>
                     <a:p>
                       <a:pPr latinLnBrk="1"/>
-                      <a:endParaRPr lang="ko-KR" altLang="en-US" sz="800" dirty="0"/>
+                      <a:endParaRPr lang="ko-KR" altLang="en-US" sz="1000" dirty="0"/>
                     </a:p>
                   </a:txBody>
                   <a:tcPr/>
@@ -4061,29 +4109,7 @@
                     <a:lstStyle/>
                     <a:p>
                       <a:pPr latinLnBrk="1"/>
-                      <a:endParaRPr lang="ko-KR" altLang="en-US" sz="800" dirty="0"/>
-                    </a:p>
-                  </a:txBody>
-                  <a:tcPr/>
-                </a:tc>
-                <a:tc>
-                  <a:txBody>
-                    <a:bodyPr/>
-                    <a:lstStyle/>
-                    <a:p>
-                      <a:pPr latinLnBrk="1"/>
-                      <a:endParaRPr lang="ko-KR" altLang="en-US" sz="800" dirty="0"/>
-                    </a:p>
-                  </a:txBody>
-                  <a:tcPr/>
-                </a:tc>
-                <a:tc>
-                  <a:txBody>
-                    <a:bodyPr/>
-                    <a:lstStyle/>
-                    <a:p>
-                      <a:pPr latinLnBrk="1"/>
-                      <a:endParaRPr lang="ko-KR" altLang="en-US" sz="800" dirty="0"/>
+                      <a:endParaRPr lang="ko-KR" altLang="en-US" sz="1000" dirty="0"/>
                     </a:p>
                   </a:txBody>
                   <a:tcPr/>
@@ -4104,7 +4130,7 @@
                         <a:buFont typeface="Arial" panose="020B0604020202020204" pitchFamily="34" charset="0"/>
                         <a:buChar char="•"/>
                       </a:pPr>
-                      <a:endParaRPr lang="en-US" altLang="ko-KR" sz="800" baseline="0" dirty="0" smtClean="0"/>
+                      <a:endParaRPr lang="en-US" altLang="ko-KR" sz="1000" baseline="0" dirty="0" smtClean="0"/>
                     </a:p>
                   </a:txBody>
                   <a:tcPr/>
@@ -4119,67 +4145,67 @@
                         <a:buChar char="•"/>
                       </a:pPr>
                       <a:r>
-                        <a:rPr lang="en-US" altLang="ko-KR" sz="800" dirty="0" smtClean="0"/>
+                        <a:rPr lang="en-US" altLang="ko-KR" sz="1000" dirty="0" smtClean="0"/>
                         <a:t>1</a:t>
                       </a:r>
                       <a:r>
-                        <a:rPr lang="ko-KR" altLang="en-US" sz="800" dirty="0" smtClean="0"/>
+                        <a:rPr lang="ko-KR" altLang="en-US" sz="1000" dirty="0" smtClean="0"/>
                         <a:t>인 미디어 </a:t>
                       </a:r>
                       <a:r>
-                        <a:rPr lang="ko-KR" altLang="en-US" sz="800" dirty="0" err="1" smtClean="0"/>
+                        <a:rPr lang="ko-KR" altLang="en-US" sz="1000" dirty="0" err="1" smtClean="0"/>
                         <a:t>게임방송의</a:t>
                       </a:r>
                       <a:r>
-                        <a:rPr lang="ko-KR" altLang="en-US" sz="800" dirty="0" smtClean="0"/>
+                        <a:rPr lang="ko-KR" altLang="en-US" sz="1000" dirty="0" smtClean="0"/>
                         <a:t> </a:t>
                       </a:r>
                       <a:r>
-                        <a:rPr lang="ko-KR" altLang="en-US" sz="800" dirty="0" err="1" smtClean="0"/>
+                        <a:rPr lang="ko-KR" altLang="en-US" sz="1000" dirty="0" err="1" smtClean="0"/>
                         <a:t>크리에이터의</a:t>
                       </a:r>
                       <a:r>
-                        <a:rPr lang="ko-KR" altLang="en-US" sz="800" dirty="0" smtClean="0"/>
+                        <a:rPr lang="ko-KR" altLang="en-US" sz="1000" dirty="0" smtClean="0"/>
                         <a:t> 인기는 </a:t>
                       </a:r>
                       <a:r>
-                        <a:rPr lang="en-US" altLang="ko-KR" sz="800" dirty="0" smtClean="0"/>
+                        <a:rPr lang="en-US" altLang="ko-KR" sz="1000" dirty="0" smtClean="0"/>
                         <a:t>e</a:t>
                       </a:r>
                       <a:r>
-                        <a:rPr lang="ko-KR" altLang="en-US" sz="800" dirty="0" smtClean="0"/>
+                        <a:rPr lang="ko-KR" altLang="en-US" sz="1000" dirty="0" smtClean="0"/>
                         <a:t>스포츠의 프로게이머와는 달리 게임 실력이 우선순위에 있지 않다는 특징이 있다</a:t>
                       </a:r>
                       <a:r>
-                        <a:rPr lang="en-US" altLang="ko-KR" sz="800" dirty="0" smtClean="0"/>
+                        <a:rPr lang="en-US" altLang="ko-KR" sz="1000" dirty="0" smtClean="0"/>
                         <a:t>. </a:t>
                       </a:r>
                       <a:r>
-                        <a:rPr lang="ko-KR" altLang="en-US" sz="800" dirty="0" smtClean="0"/>
+                        <a:rPr lang="ko-KR" altLang="en-US" sz="1000" dirty="0" smtClean="0"/>
                         <a:t>본 연구의 응답자들 </a:t>
                       </a:r>
                       <a:r>
-                        <a:rPr lang="ko-KR" altLang="en-US" sz="800" dirty="0" err="1" smtClean="0"/>
+                        <a:rPr lang="ko-KR" altLang="en-US" sz="1000" dirty="0" err="1" smtClean="0"/>
                         <a:t>역시크리에이터의</a:t>
                       </a:r>
                       <a:r>
-                        <a:rPr lang="ko-KR" altLang="en-US" sz="800" dirty="0" smtClean="0"/>
+                        <a:rPr lang="ko-KR" altLang="en-US" sz="1000" dirty="0" smtClean="0"/>
                         <a:t> 게임 실력보다 게임을 재미있게 하는 능력을 더 중요하게 본다고 답했다</a:t>
                       </a:r>
                       <a:r>
-                        <a:rPr lang="en-US" altLang="ko-KR" sz="800" dirty="0" smtClean="0"/>
+                        <a:rPr lang="en-US" altLang="ko-KR" sz="1000" dirty="0" smtClean="0"/>
                         <a:t>. (</a:t>
                       </a:r>
                       <a:r>
-                        <a:rPr lang="ko-KR" altLang="en-US" sz="800" dirty="0" err="1" smtClean="0"/>
+                        <a:rPr lang="ko-KR" altLang="en-US" sz="1000" dirty="0" err="1" smtClean="0"/>
                         <a:t>크리에이터의</a:t>
                       </a:r>
                       <a:r>
-                        <a:rPr lang="ko-KR" altLang="en-US" sz="800" dirty="0" smtClean="0"/>
+                        <a:rPr lang="ko-KR" altLang="en-US" sz="1000" dirty="0" smtClean="0"/>
                         <a:t> 태도와 역량 부분에서 발췌</a:t>
                       </a:r>
                       <a:r>
-                        <a:rPr lang="en-US" altLang="ko-KR" sz="800" dirty="0" smtClean="0"/>
+                        <a:rPr lang="en-US" altLang="ko-KR" sz="1000" dirty="0" smtClean="0"/>
                         <a:t>)</a:t>
                       </a:r>
                     </a:p>
@@ -4189,14 +4215,14 @@
                         <a:buChar char="•"/>
                       </a:pPr>
                       <a:r>
-                        <a:rPr lang="ko-KR" altLang="en-US" sz="800" dirty="0" smtClean="0"/>
+                        <a:rPr lang="ko-KR" altLang="en-US" sz="1000" dirty="0" smtClean="0"/>
                         <a:t>퍼포먼스보다 엔터테인먼트가 더 유의미한 축이라는 점을 설명</a:t>
                       </a:r>
                       <a:r>
-                        <a:rPr lang="en-US" altLang="ko-KR" sz="800" dirty="0" smtClean="0"/>
+                        <a:rPr lang="en-US" altLang="ko-KR" sz="1000" dirty="0" smtClean="0"/>
                         <a:t>(E &lt; S)</a:t>
                       </a:r>
-                      <a:endParaRPr lang="ko-KR" altLang="en-US" sz="800" dirty="0"/>
+                      <a:endParaRPr lang="ko-KR" altLang="en-US" sz="1000" dirty="0"/>
                     </a:p>
                   </a:txBody>
                   <a:tcPr/>
@@ -4207,7 +4233,7 @@
                     <a:lstStyle/>
                     <a:p>
                       <a:pPr latinLnBrk="1"/>
-                      <a:endParaRPr lang="ko-KR" altLang="en-US" sz="800" dirty="0"/>
+                      <a:endParaRPr lang="ko-KR" altLang="en-US" sz="1000" dirty="0"/>
                     </a:p>
                   </a:txBody>
                   <a:tcPr/>
@@ -4218,29 +4244,7 @@
                     <a:lstStyle/>
                     <a:p>
                       <a:pPr latinLnBrk="1"/>
-                      <a:endParaRPr lang="ko-KR" altLang="en-US" sz="800" dirty="0"/>
-                    </a:p>
-                  </a:txBody>
-                  <a:tcPr/>
-                </a:tc>
-                <a:tc>
-                  <a:txBody>
-                    <a:bodyPr/>
-                    <a:lstStyle/>
-                    <a:p>
-                      <a:pPr latinLnBrk="1"/>
-                      <a:endParaRPr lang="ko-KR" altLang="en-US" sz="800" dirty="0"/>
-                    </a:p>
-                  </a:txBody>
-                  <a:tcPr/>
-                </a:tc>
-                <a:tc>
-                  <a:txBody>
-                    <a:bodyPr/>
-                    <a:lstStyle/>
-                    <a:p>
-                      <a:pPr latinLnBrk="1"/>
-                      <a:endParaRPr lang="ko-KR" altLang="en-US" sz="800" dirty="0"/>
+                      <a:endParaRPr lang="ko-KR" altLang="en-US" sz="1000" dirty="0"/>
                     </a:p>
                   </a:txBody>
                   <a:tcPr/>
@@ -4259,6 +4263,861 @@
     <p:extLst>
       <p:ext uri="{BB962C8B-B14F-4D97-AF65-F5344CB8AC3E}">
         <p14:creationId xmlns:p14="http://schemas.microsoft.com/office/powerpoint/2010/main" val="1332375555"/>
+      </p:ext>
+    </p:extLst>
+  </p:cSld>
+  <p:clrMapOvr>
+    <a:masterClrMapping/>
+  </p:clrMapOvr>
+</p:sld>
+</file>
+
+<file path=ppt/slides/slide2.xml><?xml version="1.0" encoding="utf-8"?>
+<p:sld xmlns:a="http://schemas.openxmlformats.org/drawingml/2006/main" xmlns:r="http://schemas.openxmlformats.org/officeDocument/2006/relationships" xmlns:p="http://schemas.openxmlformats.org/presentationml/2006/main">
+  <p:cSld>
+    <p:spTree>
+      <p:nvGrpSpPr>
+        <p:cNvPr id="1" name=""/>
+        <p:cNvGrpSpPr/>
+        <p:nvPr/>
+      </p:nvGrpSpPr>
+      <p:grpSpPr>
+        <a:xfrm>
+          <a:off x="0" y="0"/>
+          <a:ext cx="0" cy="0"/>
+          <a:chOff x="0" y="0"/>
+          <a:chExt cx="0" cy="0"/>
+        </a:xfrm>
+      </p:grpSpPr>
+      <p:graphicFrame>
+        <p:nvGraphicFramePr>
+          <p:cNvPr id="4" name="내용 개체 틀 3"/>
+          <p:cNvGraphicFramePr>
+            <a:graphicFrameLocks noGrp="1"/>
+          </p:cNvGraphicFramePr>
+          <p:nvPr>
+            <p:ph idx="1"/>
+            <p:extLst>
+              <p:ext uri="{D42A27DB-BD31-4B8C-83A1-F6EECF244321}">
+                <p14:modId xmlns:p14="http://schemas.microsoft.com/office/powerpoint/2010/main" val="1227746035"/>
+              </p:ext>
+            </p:extLst>
+          </p:nvPr>
+        </p:nvGraphicFramePr>
+        <p:xfrm>
+          <a:off x="2000429" y="116466"/>
+          <a:ext cx="8412480" cy="3541134"/>
+        </p:xfrm>
+        <a:graphic>
+          <a:graphicData uri="http://schemas.openxmlformats.org/drawingml/2006/table">
+            <a:tbl>
+              <a:tblPr firstRow="1" bandRow="1">
+                <a:tableStyleId>{5C22544A-7EE6-4342-B048-85BDC9FD1C3A}</a:tableStyleId>
+              </a:tblPr>
+              <a:tblGrid>
+                <a:gridCol w="2103120">
+                  <a:extLst>
+                    <a:ext uri="{9D8B030D-6E8A-4147-A177-3AD203B41FA5}">
+                      <a16:colId xmlns:a16="http://schemas.microsoft.com/office/drawing/2014/main" val="3068217515"/>
+                    </a:ext>
+                  </a:extLst>
+                </a:gridCol>
+                <a:gridCol w="2103120">
+                  <a:extLst>
+                    <a:ext uri="{9D8B030D-6E8A-4147-A177-3AD203B41FA5}">
+                      <a16:colId xmlns:a16="http://schemas.microsoft.com/office/drawing/2014/main" val="206341902"/>
+                    </a:ext>
+                  </a:extLst>
+                </a:gridCol>
+                <a:gridCol w="2103120">
+                  <a:extLst>
+                    <a:ext uri="{9D8B030D-6E8A-4147-A177-3AD203B41FA5}">
+                      <a16:colId xmlns:a16="http://schemas.microsoft.com/office/drawing/2014/main" val="776791890"/>
+                    </a:ext>
+                  </a:extLst>
+                </a:gridCol>
+                <a:gridCol w="2103120">
+                  <a:extLst>
+                    <a:ext uri="{9D8B030D-6E8A-4147-A177-3AD203B41FA5}">
+                      <a16:colId xmlns:a16="http://schemas.microsoft.com/office/drawing/2014/main" val="12825534"/>
+                    </a:ext>
+                  </a:extLst>
+                </a:gridCol>
+              </a:tblGrid>
+              <a:tr h="425591">
+                <a:tc>
+                  <a:txBody>
+                    <a:bodyPr/>
+                    <a:lstStyle/>
+                    <a:p>
+                      <a:pPr latinLnBrk="1"/>
+                      <a:r>
+                        <a:rPr lang="en-US" altLang="ko-KR" sz="1000" dirty="0" smtClean="0"/>
+                        <a:t>1</a:t>
+                      </a:r>
+                      <a:r>
+                        <a:rPr lang="ko-KR" altLang="en-US" sz="1000" dirty="0" smtClean="0"/>
+                        <a:t>인 게임 방송 시청에 영향을 미치는 요인에 관한 연구</a:t>
+                      </a:r>
+                      <a:endParaRPr lang="ko-KR" altLang="en-US" sz="1000" dirty="0"/>
+                    </a:p>
+                  </a:txBody>
+                  <a:tcPr/>
+                </a:tc>
+                <a:tc>
+                  <a:txBody>
+                    <a:bodyPr/>
+                    <a:lstStyle/>
+                    <a:p>
+                      <a:pPr latinLnBrk="1"/>
+                      <a:r>
+                        <a:rPr lang="en-US" altLang="ko-KR" sz="1000" dirty="0" smtClean="0"/>
+                        <a:t>1</a:t>
+                      </a:r>
+                      <a:r>
+                        <a:rPr lang="ko-KR" altLang="en-US" sz="1000" dirty="0" smtClean="0"/>
+                        <a:t>인 미디어 게임방송 이용 동기 및 이용 특성에 관한 탐색적 연구</a:t>
+                      </a:r>
+                      <a:endParaRPr lang="ko-KR" altLang="en-US" sz="1000" dirty="0"/>
+                    </a:p>
+                  </a:txBody>
+                  <a:tcPr/>
+                </a:tc>
+                <a:tc>
+                  <a:txBody>
+                    <a:bodyPr/>
+                    <a:lstStyle/>
+                    <a:p>
+                      <a:pPr latinLnBrk="1"/>
+                      <a:r>
+                        <a:rPr lang="ko-KR" altLang="en-US" sz="1000" dirty="0" smtClean="0"/>
+                        <a:t>인터넷 </a:t>
+                      </a:r>
+                      <a:r>
+                        <a:rPr lang="en-US" altLang="ko-KR" sz="1000" dirty="0" smtClean="0"/>
+                        <a:t>1</a:t>
+                      </a:r>
+                      <a:r>
+                        <a:rPr lang="ko-KR" altLang="en-US" sz="1000" dirty="0" smtClean="0"/>
+                        <a:t>인 게임 방송 </a:t>
+                      </a:r>
+                      <a:r>
+                        <a:rPr lang="ko-KR" altLang="en-US" sz="1000" dirty="0" err="1" smtClean="0"/>
+                        <a:t>시청요인에</a:t>
+                      </a:r>
+                      <a:r>
+                        <a:rPr lang="ko-KR" altLang="en-US" sz="1000" dirty="0" smtClean="0"/>
+                        <a:t> 대한 상대적 중요도 분석</a:t>
+                      </a:r>
+                      <a:endParaRPr lang="ko-KR" altLang="en-US" sz="1000" dirty="0"/>
+                    </a:p>
+                  </a:txBody>
+                  <a:tcPr/>
+                </a:tc>
+                <a:tc>
+                  <a:txBody>
+                    <a:bodyPr/>
+                    <a:lstStyle/>
+                    <a:p>
+                      <a:pPr latinLnBrk="1"/>
+                      <a:r>
+                        <a:rPr lang="ko-KR" altLang="en-US" sz="1000" dirty="0" smtClean="0"/>
+                        <a:t>인터넷 게임 방송에서 이용동기가 만족도와 몰입에 미치는 영향</a:t>
+                      </a:r>
+                      <a:endParaRPr lang="ko-KR" altLang="en-US" sz="1000" dirty="0"/>
+                    </a:p>
+                  </a:txBody>
+                  <a:tcPr/>
+                </a:tc>
+                <a:extLst>
+                  <a:ext uri="{0D108BD9-81ED-4DB2-BD59-A6C34878D82A}">
+                    <a16:rowId xmlns:a16="http://schemas.microsoft.com/office/drawing/2014/main" val="1467133223"/>
+                  </a:ext>
+                </a:extLst>
+              </a:tr>
+              <a:tr h="398309">
+                <a:tc>
+                  <a:txBody>
+                    <a:bodyPr/>
+                    <a:lstStyle/>
+                    <a:p>
+                      <a:pPr latinLnBrk="1"/>
+                      <a:r>
+                        <a:rPr lang="ko-KR" altLang="en-US" sz="1000" dirty="0" smtClean="0"/>
+                        <a:t>최민지</a:t>
+                      </a:r>
+                      <a:r>
+                        <a:rPr lang="en-US" altLang="ko-KR" sz="1000" dirty="0" smtClean="0"/>
+                        <a:t>, </a:t>
+                      </a:r>
+                      <a:r>
+                        <a:rPr lang="ko-KR" altLang="en-US" sz="1000" dirty="0" smtClean="0"/>
+                        <a:t>박정민</a:t>
+                      </a:r>
+                      <a:r>
+                        <a:rPr lang="en-US" altLang="ko-KR" sz="1000" dirty="0" smtClean="0"/>
+                        <a:t>, </a:t>
+                      </a:r>
+                      <a:r>
+                        <a:rPr lang="ko-KR" altLang="en-US" sz="1000" dirty="0" err="1" smtClean="0"/>
+                        <a:t>노기영</a:t>
+                      </a:r>
+                      <a:endParaRPr lang="ko-KR" altLang="en-US" sz="1000" dirty="0"/>
+                    </a:p>
+                  </a:txBody>
+                  <a:tcPr/>
+                </a:tc>
+                <a:tc>
+                  <a:txBody>
+                    <a:bodyPr/>
+                    <a:lstStyle/>
+                    <a:p>
+                      <a:pPr latinLnBrk="1"/>
+                      <a:r>
+                        <a:rPr lang="ko-KR" altLang="en-US" sz="1000" dirty="0" smtClean="0"/>
+                        <a:t>정서현</a:t>
+                      </a:r>
+                      <a:r>
+                        <a:rPr lang="en-US" altLang="ko-KR" sz="1000" dirty="0" smtClean="0"/>
+                        <a:t>, </a:t>
+                      </a:r>
+                      <a:r>
+                        <a:rPr lang="ko-KR" altLang="en-US" sz="1000" dirty="0" smtClean="0"/>
+                        <a:t>박주연</a:t>
+                      </a:r>
+                      <a:endParaRPr lang="ko-KR" altLang="en-US" sz="1000" dirty="0"/>
+                    </a:p>
+                  </a:txBody>
+                  <a:tcPr/>
+                </a:tc>
+                <a:tc>
+                  <a:txBody>
+                    <a:bodyPr/>
+                    <a:lstStyle/>
+                    <a:p>
+                      <a:pPr latinLnBrk="1"/>
+                      <a:r>
+                        <a:rPr lang="ko-KR" altLang="en-US" sz="1000" dirty="0" smtClean="0"/>
+                        <a:t>김유미</a:t>
+                      </a:r>
+                      <a:r>
+                        <a:rPr lang="en-US" altLang="ko-KR" sz="1000" dirty="0" smtClean="0"/>
+                        <a:t>,</a:t>
+                      </a:r>
+                      <a:r>
+                        <a:rPr lang="en-US" altLang="ko-KR" sz="1000" baseline="0" dirty="0" smtClean="0"/>
+                        <a:t> </a:t>
+                      </a:r>
+                      <a:r>
+                        <a:rPr lang="ko-KR" altLang="en-US" sz="1000" baseline="0" dirty="0" err="1" smtClean="0"/>
+                        <a:t>김선균</a:t>
+                      </a:r>
+                      <a:endParaRPr lang="ko-KR" altLang="en-US" sz="1000" dirty="0"/>
+                    </a:p>
+                  </a:txBody>
+                  <a:tcPr/>
+                </a:tc>
+                <a:tc>
+                  <a:txBody>
+                    <a:bodyPr/>
+                    <a:lstStyle/>
+                    <a:p>
+                      <a:pPr latinLnBrk="1"/>
+                      <a:r>
+                        <a:rPr lang="ko-KR" altLang="en-US" sz="1000" dirty="0" err="1" smtClean="0"/>
+                        <a:t>성민제</a:t>
+                      </a:r>
+                      <a:r>
+                        <a:rPr lang="en-US" altLang="ko-KR" sz="1000" dirty="0" smtClean="0"/>
+                        <a:t>, </a:t>
+                      </a:r>
+                      <a:r>
+                        <a:rPr lang="ko-KR" altLang="en-US" sz="1000" dirty="0" err="1" smtClean="0"/>
+                        <a:t>정형원</a:t>
+                      </a:r>
+                      <a:r>
+                        <a:rPr lang="en-US" altLang="ko-KR" sz="1000" dirty="0" smtClean="0"/>
+                        <a:t>, </a:t>
+                      </a:r>
+                      <a:r>
+                        <a:rPr lang="ko-KR" altLang="en-US" sz="1000" dirty="0" smtClean="0"/>
+                        <a:t>김태규</a:t>
+                      </a:r>
+                      <a:endParaRPr lang="ko-KR" altLang="en-US" sz="1000" dirty="0"/>
+                    </a:p>
+                  </a:txBody>
+                  <a:tcPr/>
+                </a:tc>
+                <a:extLst>
+                  <a:ext uri="{0D108BD9-81ED-4DB2-BD59-A6C34878D82A}">
+                    <a16:rowId xmlns:a16="http://schemas.microsoft.com/office/drawing/2014/main" val="1361150201"/>
+                  </a:ext>
+                </a:extLst>
+              </a:tr>
+              <a:tr h="2717234">
+                <a:tc>
+                  <a:txBody>
+                    <a:bodyPr/>
+                    <a:lstStyle/>
+                    <a:p>
+                      <a:pPr latinLnBrk="1"/>
+                      <a:r>
+                        <a:rPr lang="ko-KR" altLang="en-US" sz="1000" baseline="0" dirty="0" smtClean="0"/>
+                        <a:t>동일시 갈망</a:t>
+                      </a:r>
+                      <a:endParaRPr lang="en-US" altLang="ko-KR" sz="1000" baseline="0" dirty="0" smtClean="0"/>
+                    </a:p>
+                    <a:p>
+                      <a:pPr latinLnBrk="1"/>
+                      <a:r>
+                        <a:rPr lang="ko-KR" altLang="en-US" sz="1000" baseline="0" dirty="0" smtClean="0"/>
+                        <a:t>오락성 추구</a:t>
+                      </a:r>
+                      <a:endParaRPr lang="en-US" altLang="ko-KR" sz="1000" baseline="0" dirty="0" smtClean="0"/>
+                    </a:p>
+                    <a:p>
+                      <a:pPr latinLnBrk="1"/>
+                      <a:r>
+                        <a:rPr lang="ko-KR" altLang="en-US" sz="1000" baseline="0" dirty="0" smtClean="0"/>
+                        <a:t>시간 보내기</a:t>
+                      </a:r>
+                      <a:endParaRPr lang="en-US" altLang="ko-KR" sz="1000" baseline="0" dirty="0" smtClean="0"/>
+                    </a:p>
+                    <a:p>
+                      <a:pPr latinLnBrk="1"/>
+                      <a:r>
+                        <a:rPr lang="ko-KR" altLang="en-US" sz="1000" baseline="0" dirty="0" smtClean="0"/>
+                        <a:t>정보 추구</a:t>
+                      </a:r>
+                      <a:endParaRPr lang="ko-KR" altLang="en-US" sz="1000" dirty="0"/>
+                    </a:p>
+                  </a:txBody>
+                  <a:tcPr/>
+                </a:tc>
+                <a:tc>
+                  <a:txBody>
+                    <a:bodyPr/>
+                    <a:lstStyle/>
+                    <a:p>
+                      <a:pPr latinLnBrk="1"/>
+                      <a:r>
+                        <a:rPr lang="ko-KR" altLang="en-US" sz="1000" dirty="0" err="1" smtClean="0"/>
+                        <a:t>정보추구</a:t>
+                      </a:r>
+                      <a:endParaRPr lang="en-US" altLang="ko-KR" sz="1000" dirty="0" smtClean="0"/>
+                    </a:p>
+                    <a:p>
+                      <a:pPr latinLnBrk="1"/>
+                      <a:r>
+                        <a:rPr lang="ko-KR" altLang="en-US" sz="1000" dirty="0" smtClean="0"/>
+                        <a:t>대리만족</a:t>
+                      </a:r>
+                      <a:endParaRPr lang="en-US" altLang="ko-KR" sz="1000" dirty="0" smtClean="0"/>
+                    </a:p>
+                    <a:p>
+                      <a:pPr latinLnBrk="1"/>
+                      <a:r>
+                        <a:rPr lang="ko-KR" altLang="en-US" sz="1000" dirty="0" smtClean="0"/>
+                        <a:t>휴식과 재미</a:t>
+                      </a:r>
+                      <a:endParaRPr lang="ko-KR" altLang="en-US" sz="1000" dirty="0"/>
+                    </a:p>
+                  </a:txBody>
+                  <a:tcPr/>
+                </a:tc>
+                <a:tc>
+                  <a:txBody>
+                    <a:bodyPr/>
+                    <a:lstStyle/>
+                    <a:p>
+                      <a:pPr latinLnBrk="1"/>
+                      <a:r>
+                        <a:rPr lang="ko-KR" altLang="en-US" sz="1000" dirty="0" smtClean="0"/>
+                        <a:t>콘텐츠</a:t>
+                      </a:r>
+                      <a:endParaRPr lang="en-US" altLang="ko-KR" sz="1000" dirty="0" smtClean="0"/>
+                    </a:p>
+                    <a:p>
+                      <a:pPr latinLnBrk="1"/>
+                      <a:r>
+                        <a:rPr lang="en-US" altLang="ko-KR" sz="1000" dirty="0" smtClean="0"/>
+                        <a:t>-</a:t>
+                      </a:r>
+                      <a:r>
+                        <a:rPr lang="ko-KR" altLang="en-US" sz="1000" dirty="0" smtClean="0"/>
+                        <a:t>오락성</a:t>
+                      </a:r>
+                      <a:endParaRPr lang="en-US" altLang="ko-KR" sz="1000" dirty="0" smtClean="0"/>
+                    </a:p>
+                    <a:p>
+                      <a:pPr latinLnBrk="1"/>
+                      <a:r>
+                        <a:rPr lang="en-US" altLang="ko-KR" sz="1000" dirty="0" smtClean="0"/>
+                        <a:t>-</a:t>
+                      </a:r>
+                      <a:r>
+                        <a:rPr lang="ko-KR" altLang="en-US" sz="1000" dirty="0" smtClean="0"/>
+                        <a:t>창의성</a:t>
+                      </a:r>
+                      <a:endParaRPr lang="en-US" altLang="ko-KR" sz="1000" dirty="0" smtClean="0"/>
+                    </a:p>
+                    <a:p>
+                      <a:pPr latinLnBrk="1"/>
+                      <a:r>
+                        <a:rPr lang="en-US" altLang="ko-KR" sz="1000" dirty="0" smtClean="0"/>
+                        <a:t>-</a:t>
+                      </a:r>
+                      <a:r>
+                        <a:rPr lang="ko-KR" altLang="en-US" sz="1000" dirty="0" smtClean="0"/>
+                        <a:t>정보성</a:t>
+                      </a:r>
+                      <a:endParaRPr lang="en-US" altLang="ko-KR" sz="1000" dirty="0" smtClean="0"/>
+                    </a:p>
+                    <a:p>
+                      <a:pPr latinLnBrk="1"/>
+                      <a:endParaRPr lang="en-US" altLang="ko-KR" sz="1000" dirty="0" smtClean="0"/>
+                    </a:p>
+                    <a:p>
+                      <a:pPr latinLnBrk="1"/>
+                      <a:r>
+                        <a:rPr lang="ko-KR" altLang="en-US" sz="1000" dirty="0" smtClean="0"/>
+                        <a:t>방송 </a:t>
+                      </a:r>
+                      <a:r>
+                        <a:rPr lang="ko-KR" altLang="en-US" sz="1000" dirty="0" err="1" smtClean="0"/>
+                        <a:t>커뮤니케이터</a:t>
+                      </a:r>
+                      <a:endParaRPr lang="en-US" altLang="ko-KR" sz="1000" dirty="0" smtClean="0"/>
+                    </a:p>
+                    <a:p>
+                      <a:pPr latinLnBrk="1"/>
+                      <a:r>
+                        <a:rPr lang="en-US" altLang="ko-KR" sz="1000" dirty="0" smtClean="0"/>
+                        <a:t>-</a:t>
+                      </a:r>
+                      <a:r>
+                        <a:rPr lang="ko-KR" altLang="en-US" sz="1000" dirty="0" err="1" smtClean="0"/>
+                        <a:t>매력성</a:t>
+                      </a:r>
+                      <a:endParaRPr lang="en-US" altLang="ko-KR" sz="1000" dirty="0" smtClean="0"/>
+                    </a:p>
+                    <a:p>
+                      <a:pPr latinLnBrk="1"/>
+                      <a:r>
+                        <a:rPr lang="en-US" altLang="ko-KR" sz="1000" dirty="0" smtClean="0"/>
+                        <a:t>-</a:t>
+                      </a:r>
+                      <a:r>
+                        <a:rPr lang="ko-KR" altLang="en-US" sz="1000" dirty="0" smtClean="0"/>
+                        <a:t>독창성</a:t>
+                      </a:r>
+                      <a:endParaRPr lang="en-US" altLang="ko-KR" sz="1000" dirty="0" smtClean="0"/>
+                    </a:p>
+                    <a:p>
+                      <a:pPr latinLnBrk="1"/>
+                      <a:r>
+                        <a:rPr lang="en-US" altLang="ko-KR" sz="1000" dirty="0" smtClean="0"/>
+                        <a:t>-</a:t>
+                      </a:r>
+                      <a:r>
+                        <a:rPr lang="ko-KR" altLang="en-US" sz="1000" dirty="0" err="1" smtClean="0"/>
+                        <a:t>소통성</a:t>
+                      </a:r>
+                      <a:endParaRPr lang="en-US" altLang="ko-KR" sz="1000" dirty="0" smtClean="0"/>
+                    </a:p>
+                    <a:p>
+                      <a:pPr latinLnBrk="1"/>
+                      <a:r>
+                        <a:rPr lang="en-US" altLang="ko-KR" sz="1000" dirty="0" smtClean="0"/>
+                        <a:t>-</a:t>
+                      </a:r>
+                      <a:r>
+                        <a:rPr lang="ko-KR" altLang="en-US" sz="1000" dirty="0" smtClean="0"/>
+                        <a:t>신뢰성</a:t>
+                      </a:r>
+                      <a:endParaRPr lang="en-US" altLang="ko-KR" sz="1000" dirty="0" smtClean="0"/>
+                    </a:p>
+                    <a:p>
+                      <a:pPr latinLnBrk="1"/>
+                      <a:r>
+                        <a:rPr lang="en-US" altLang="ko-KR" sz="1000" dirty="0" smtClean="0"/>
+                        <a:t>-</a:t>
+                      </a:r>
+                      <a:r>
+                        <a:rPr lang="ko-KR" altLang="en-US" sz="1000" dirty="0" smtClean="0"/>
+                        <a:t>전문성</a:t>
+                      </a:r>
+                      <a:endParaRPr lang="en-US" altLang="ko-KR" sz="1000" dirty="0" smtClean="0"/>
+                    </a:p>
+                    <a:p>
+                      <a:pPr latinLnBrk="1"/>
+                      <a:endParaRPr lang="en-US" altLang="ko-KR" sz="1000" dirty="0" smtClean="0"/>
+                    </a:p>
+                    <a:p>
+                      <a:pPr latinLnBrk="1"/>
+                      <a:r>
+                        <a:rPr lang="ko-KR" altLang="en-US" sz="1000" dirty="0" err="1" smtClean="0"/>
+                        <a:t>상호작용성</a:t>
+                      </a:r>
+                      <a:endParaRPr lang="en-US" altLang="ko-KR" sz="1000" dirty="0" smtClean="0"/>
+                    </a:p>
+                    <a:p>
+                      <a:pPr latinLnBrk="1"/>
+                      <a:r>
+                        <a:rPr lang="en-US" altLang="ko-KR" sz="1000" dirty="0" smtClean="0"/>
+                        <a:t>-</a:t>
+                      </a:r>
+                      <a:r>
+                        <a:rPr lang="ko-KR" altLang="en-US" sz="1000" dirty="0" err="1" smtClean="0"/>
+                        <a:t>반응성</a:t>
+                      </a:r>
+                      <a:endParaRPr lang="en-US" altLang="ko-KR" sz="1000" dirty="0" smtClean="0"/>
+                    </a:p>
+                    <a:p>
+                      <a:pPr latinLnBrk="1"/>
+                      <a:r>
+                        <a:rPr lang="en-US" altLang="ko-KR" sz="1000" dirty="0" smtClean="0"/>
+                        <a:t>-</a:t>
+                      </a:r>
+                      <a:r>
+                        <a:rPr lang="ko-KR" altLang="en-US" sz="1000" dirty="0" smtClean="0"/>
+                        <a:t>쌍방향커뮤니케이션</a:t>
+                      </a:r>
+                      <a:endParaRPr lang="en-US" altLang="ko-KR" sz="1000" dirty="0" smtClean="0"/>
+                    </a:p>
+                    <a:p>
+                      <a:pPr latinLnBrk="1"/>
+                      <a:r>
+                        <a:rPr lang="en-US" altLang="ko-KR" sz="1000" dirty="0" smtClean="0"/>
+                        <a:t>-</a:t>
+                      </a:r>
+                      <a:r>
+                        <a:rPr lang="ko-KR" altLang="en-US" sz="1000" dirty="0" err="1" smtClean="0"/>
+                        <a:t>통제성</a:t>
+                      </a:r>
+                      <a:endParaRPr lang="ko-KR" altLang="en-US" sz="1000" dirty="0"/>
+                    </a:p>
+                  </a:txBody>
+                  <a:tcPr/>
+                </a:tc>
+                <a:tc>
+                  <a:txBody>
+                    <a:bodyPr/>
+                    <a:lstStyle/>
+                    <a:p>
+                      <a:pPr latinLnBrk="1"/>
+                      <a:r>
+                        <a:rPr lang="ko-KR" altLang="en-US" sz="1000" dirty="0" smtClean="0"/>
+                        <a:t>상호작용</a:t>
+                      </a:r>
+                      <a:endParaRPr lang="en-US" altLang="ko-KR" sz="1000" dirty="0" smtClean="0"/>
+                    </a:p>
+                    <a:p>
+                      <a:pPr latinLnBrk="1"/>
+                      <a:r>
+                        <a:rPr lang="ko-KR" altLang="en-US" sz="1000" dirty="0" err="1" smtClean="0"/>
+                        <a:t>시청공감</a:t>
+                      </a:r>
+                      <a:endParaRPr lang="en-US" altLang="ko-KR" sz="1000" dirty="0" smtClean="0"/>
+                    </a:p>
+                    <a:p>
+                      <a:pPr latinLnBrk="1"/>
+                      <a:r>
+                        <a:rPr lang="ko-KR" altLang="en-US" sz="1000" dirty="0" err="1" smtClean="0"/>
+                        <a:t>의견교류</a:t>
+                      </a:r>
+                      <a:endParaRPr lang="en-US" altLang="ko-KR" sz="1000" dirty="0" smtClean="0"/>
+                    </a:p>
+                    <a:p>
+                      <a:pPr latinLnBrk="1"/>
+                      <a:r>
+                        <a:rPr lang="ko-KR" altLang="en-US" sz="1000" dirty="0" err="1" smtClean="0"/>
+                        <a:t>정보추구</a:t>
+                      </a:r>
+                      <a:endParaRPr lang="en-US" altLang="ko-KR" sz="1000" dirty="0" smtClean="0"/>
+                    </a:p>
+                    <a:p>
+                      <a:pPr latinLnBrk="1"/>
+                      <a:r>
+                        <a:rPr lang="ko-KR" altLang="en-US" sz="1000" dirty="0" smtClean="0"/>
+                        <a:t>오</a:t>
+                      </a:r>
+                      <a:r>
+                        <a:rPr lang="ko-KR" altLang="en-US" sz="1000" dirty="0" smtClean="0"/>
+                        <a:t>락</a:t>
+                      </a:r>
+                      <a:endParaRPr lang="ko-KR" altLang="en-US" sz="1000" dirty="0"/>
+                    </a:p>
+                  </a:txBody>
+                  <a:tcPr/>
+                </a:tc>
+                <a:extLst>
+                  <a:ext uri="{0D108BD9-81ED-4DB2-BD59-A6C34878D82A}">
+                    <a16:rowId xmlns:a16="http://schemas.microsoft.com/office/drawing/2014/main" val="1725315293"/>
+                  </a:ext>
+                </a:extLst>
+              </a:tr>
+            </a:tbl>
+          </a:graphicData>
+        </a:graphic>
+      </p:graphicFrame>
+      <p:graphicFrame>
+        <p:nvGraphicFramePr>
+          <p:cNvPr id="5" name="표 4"/>
+          <p:cNvGraphicFramePr>
+            <a:graphicFrameLocks noGrp="1"/>
+          </p:cNvGraphicFramePr>
+          <p:nvPr>
+            <p:extLst>
+              <p:ext uri="{D42A27DB-BD31-4B8C-83A1-F6EECF244321}">
+                <p14:modId xmlns:p14="http://schemas.microsoft.com/office/powerpoint/2010/main" val="2234368697"/>
+              </p:ext>
+            </p:extLst>
+          </p:nvPr>
+        </p:nvGraphicFramePr>
+        <p:xfrm>
+          <a:off x="0" y="4454178"/>
+          <a:ext cx="10412910" cy="1158240"/>
+        </p:xfrm>
+        <a:graphic>
+          <a:graphicData uri="http://schemas.openxmlformats.org/drawingml/2006/table">
+            <a:tbl>
+              <a:tblPr firstCol="1" bandRow="1">
+                <a:tableStyleId>{5C22544A-7EE6-4342-B048-85BDC9FD1C3A}</a:tableStyleId>
+              </a:tblPr>
+              <a:tblGrid>
+                <a:gridCol w="2016807">
+                  <a:extLst>
+                    <a:ext uri="{9D8B030D-6E8A-4147-A177-3AD203B41FA5}">
+                      <a16:colId xmlns:a16="http://schemas.microsoft.com/office/drawing/2014/main" val="746167708"/>
+                    </a:ext>
+                  </a:extLst>
+                </a:gridCol>
+                <a:gridCol w="2148357">
+                  <a:extLst>
+                    <a:ext uri="{9D8B030D-6E8A-4147-A177-3AD203B41FA5}">
+                      <a16:colId xmlns:a16="http://schemas.microsoft.com/office/drawing/2014/main" val="1599385793"/>
+                    </a:ext>
+                  </a:extLst>
+                </a:gridCol>
+                <a:gridCol w="2082582">
+                  <a:extLst>
+                    <a:ext uri="{9D8B030D-6E8A-4147-A177-3AD203B41FA5}">
+                      <a16:colId xmlns:a16="http://schemas.microsoft.com/office/drawing/2014/main" val="388293082"/>
+                    </a:ext>
+                  </a:extLst>
+                </a:gridCol>
+                <a:gridCol w="2082582">
+                  <a:extLst>
+                    <a:ext uri="{9D8B030D-6E8A-4147-A177-3AD203B41FA5}">
+                      <a16:colId xmlns:a16="http://schemas.microsoft.com/office/drawing/2014/main" val="1897698034"/>
+                    </a:ext>
+                  </a:extLst>
+                </a:gridCol>
+                <a:gridCol w="2082582">
+                  <a:extLst>
+                    <a:ext uri="{9D8B030D-6E8A-4147-A177-3AD203B41FA5}">
+                      <a16:colId xmlns:a16="http://schemas.microsoft.com/office/drawing/2014/main" val="2349706211"/>
+                    </a:ext>
+                  </a:extLst>
+                </a:gridCol>
+              </a:tblGrid>
+              <a:tr h="370840">
+                <a:tc>
+                  <a:txBody>
+                    <a:bodyPr/>
+                    <a:lstStyle/>
+                    <a:p>
+                      <a:pPr latinLnBrk="1"/>
+                      <a:r>
+                        <a:rPr lang="en-US" altLang="ko-KR" dirty="0" smtClean="0"/>
+                        <a:t>Performance</a:t>
+                      </a:r>
+                      <a:endParaRPr lang="ko-KR" altLang="en-US" dirty="0"/>
+                    </a:p>
+                  </a:txBody>
+                  <a:tcPr/>
+                </a:tc>
+                <a:tc>
+                  <a:txBody>
+                    <a:bodyPr/>
+                    <a:lstStyle/>
+                    <a:p>
+                      <a:pPr latinLnBrk="1"/>
+                      <a:r>
+                        <a:rPr lang="ko-KR" altLang="en-US" sz="1600" dirty="0" smtClean="0"/>
+                        <a:t>정보 추구</a:t>
+                      </a:r>
+                      <a:endParaRPr lang="ko-KR" altLang="en-US" sz="1600" dirty="0"/>
+                    </a:p>
+                  </a:txBody>
+                  <a:tcPr/>
+                </a:tc>
+                <a:tc>
+                  <a:txBody>
+                    <a:bodyPr/>
+                    <a:lstStyle/>
+                    <a:p>
+                      <a:pPr latinLnBrk="1"/>
+                      <a:r>
+                        <a:rPr lang="ko-KR" altLang="en-US" sz="1600" dirty="0" smtClean="0"/>
+                        <a:t>정보 추구</a:t>
+                      </a:r>
+                      <a:endParaRPr lang="en-US" altLang="ko-KR" sz="1600" dirty="0" smtClean="0"/>
+                    </a:p>
+                    <a:p>
+                      <a:pPr latinLnBrk="1"/>
+                      <a:r>
+                        <a:rPr lang="ko-KR" altLang="en-US" sz="1600" dirty="0" smtClean="0"/>
+                        <a:t>대리 만족</a:t>
+                      </a:r>
+                      <a:endParaRPr lang="ko-KR" altLang="en-US" sz="1600" dirty="0"/>
+                    </a:p>
+                  </a:txBody>
+                  <a:tcPr/>
+                </a:tc>
+                <a:tc>
+                  <a:txBody>
+                    <a:bodyPr/>
+                    <a:lstStyle/>
+                    <a:p>
+                      <a:pPr latinLnBrk="1"/>
+                      <a:r>
+                        <a:rPr lang="ko-KR" altLang="en-US" sz="1600" dirty="0" smtClean="0"/>
+                        <a:t>정보성</a:t>
+                      </a:r>
+                      <a:endParaRPr lang="en-US" altLang="ko-KR" sz="1600" dirty="0" smtClean="0"/>
+                    </a:p>
+                    <a:p>
+                      <a:pPr latinLnBrk="1"/>
+                      <a:r>
+                        <a:rPr lang="ko-KR" altLang="en-US" sz="1600" dirty="0" smtClean="0"/>
+                        <a:t>전문성</a:t>
+                      </a:r>
+                      <a:endParaRPr lang="ko-KR" altLang="en-US" sz="1600" dirty="0"/>
+                    </a:p>
+                  </a:txBody>
+                  <a:tcPr/>
+                </a:tc>
+                <a:tc>
+                  <a:txBody>
+                    <a:bodyPr/>
+                    <a:lstStyle/>
+                    <a:p>
+                      <a:pPr latinLnBrk="1"/>
+                      <a:r>
+                        <a:rPr lang="ko-KR" altLang="en-US" sz="1600" dirty="0" smtClean="0"/>
+                        <a:t>정보 추구</a:t>
+                      </a:r>
+                      <a:endParaRPr lang="ko-KR" altLang="en-US" sz="1600" dirty="0"/>
+                    </a:p>
+                  </a:txBody>
+                  <a:tcPr/>
+                </a:tc>
+                <a:extLst>
+                  <a:ext uri="{0D108BD9-81ED-4DB2-BD59-A6C34878D82A}">
+                    <a16:rowId xmlns:a16="http://schemas.microsoft.com/office/drawing/2014/main" val="3917738163"/>
+                  </a:ext>
+                </a:extLst>
+              </a:tr>
+              <a:tr h="370840">
+                <a:tc>
+                  <a:txBody>
+                    <a:bodyPr/>
+                    <a:lstStyle/>
+                    <a:p>
+                      <a:pPr latinLnBrk="1"/>
+                      <a:r>
+                        <a:rPr lang="en-US" altLang="ko-KR" dirty="0" smtClean="0"/>
+                        <a:t>Entertainment</a:t>
+                      </a:r>
+                      <a:endParaRPr lang="ko-KR" altLang="en-US" dirty="0"/>
+                    </a:p>
+                  </a:txBody>
+                  <a:tcPr/>
+                </a:tc>
+                <a:tc>
+                  <a:txBody>
+                    <a:bodyPr/>
+                    <a:lstStyle/>
+                    <a:p>
+                      <a:pPr latinLnBrk="1"/>
+                      <a:r>
+                        <a:rPr lang="ko-KR" altLang="en-US" sz="1600" smtClean="0"/>
+                        <a:t>오락성 추구</a:t>
+                      </a:r>
+                      <a:endParaRPr lang="en-US" altLang="ko-KR" sz="1600" dirty="0" smtClean="0"/>
+                    </a:p>
+                  </a:txBody>
+                  <a:tcPr/>
+                </a:tc>
+                <a:tc>
+                  <a:txBody>
+                    <a:bodyPr/>
+                    <a:lstStyle/>
+                    <a:p>
+                      <a:pPr latinLnBrk="1"/>
+                      <a:r>
+                        <a:rPr lang="ko-KR" altLang="en-US" sz="1600" dirty="0" smtClean="0"/>
+                        <a:t>휴식과 재미</a:t>
+                      </a:r>
+                      <a:endParaRPr lang="ko-KR" altLang="en-US" sz="1600" dirty="0"/>
+                    </a:p>
+                  </a:txBody>
+                  <a:tcPr/>
+                </a:tc>
+                <a:tc>
+                  <a:txBody>
+                    <a:bodyPr/>
+                    <a:lstStyle/>
+                    <a:p>
+                      <a:pPr latinLnBrk="1"/>
+                      <a:r>
+                        <a:rPr lang="ko-KR" altLang="en-US" sz="1600" dirty="0" smtClean="0"/>
+                        <a:t>오락성</a:t>
+                      </a:r>
+                      <a:endParaRPr lang="en-US" altLang="ko-KR" sz="1600" dirty="0" smtClean="0"/>
+                    </a:p>
+                    <a:p>
+                      <a:pPr latinLnBrk="1"/>
+                      <a:r>
+                        <a:rPr lang="ko-KR" altLang="en-US" sz="1600" dirty="0" smtClean="0"/>
+                        <a:t>창의성</a:t>
+                      </a:r>
+                      <a:endParaRPr lang="ko-KR" altLang="en-US" sz="1600" dirty="0"/>
+                    </a:p>
+                  </a:txBody>
+                  <a:tcPr/>
+                </a:tc>
+                <a:tc>
+                  <a:txBody>
+                    <a:bodyPr/>
+                    <a:lstStyle/>
+                    <a:p>
+                      <a:pPr latinLnBrk="1"/>
+                      <a:r>
+                        <a:rPr lang="ko-KR" altLang="en-US" sz="1600" dirty="0" smtClean="0"/>
+                        <a:t>오락</a:t>
+                      </a:r>
+                      <a:endParaRPr lang="ko-KR" altLang="en-US" sz="1600" dirty="0"/>
+                    </a:p>
+                  </a:txBody>
+                  <a:tcPr/>
+                </a:tc>
+                <a:extLst>
+                  <a:ext uri="{0D108BD9-81ED-4DB2-BD59-A6C34878D82A}">
+                    <a16:rowId xmlns:a16="http://schemas.microsoft.com/office/drawing/2014/main" val="1104279586"/>
+                  </a:ext>
+                </a:extLst>
+              </a:tr>
+            </a:tbl>
+          </a:graphicData>
+        </a:graphic>
+      </p:graphicFrame>
+    </p:spTree>
+    <p:extLst>
+      <p:ext uri="{BB962C8B-B14F-4D97-AF65-F5344CB8AC3E}">
+        <p14:creationId xmlns:p14="http://schemas.microsoft.com/office/powerpoint/2010/main" val="2629987619"/>
       </p:ext>
     </p:extLst>
   </p:cSld>
